--- a/cspc105/2022/slides/2/lesson2.pptx
+++ b/cspc105/2022/slides/2/lesson2.pptx
@@ -310,7 +310,7 @@
   <inkml:trace contextRef="#ctx0" brushRef="#br0" timeOffset="131829.1">18980 9866 0,'0'-40'32,"0"80"108,0 0-124,0 0-16,0 0 16,0 0-16,0 0 0,40 0 15,-40 1-15,40-1 0,-40 0 0,40-40 16,-40 40-16,40-40 0,0 40 0</inkml:trace>
   <inkml:trace contextRef="#ctx0" brushRef="#br0" timeOffset="132907.66">18940 9826 0,'-40'0'110,"-1"40"-95,1 0-15,0 0 16,0-40-16,0 40 15,0-40-15,40 40 0,-40-40 16,80 0 31,0 0-47,-40-40 16,40 40-16,0-40 15,-40 0-15,40 40 16,-40-40-16,40 40 0,-40-40 15,41 40-15,-41-40 32,40 80 77,0 0-93,0-40-1,0 0-15,0 40 16,0-40 0</inkml:trace>
   <inkml:trace contextRef="#ctx0" brushRef="#br0" timeOffset="134217.44">18739 9986 0,'-40'0'0,"40"40"16,40-40 30,0 0-30,0 0-16,0 0 16,1 0-16,-1 0 0,0 0 15,-40-40-15,40 40 0,0 0 16,-40-40-16,-40 40 31,0 0-31,0 40 16,0-40-16,-1 0 0,41 40 15,-40-40-15,0 0 0,0 0 16,0 40-16,80-40 31,0 0-15,0 0-16,0-40 16,1 40-16,-1-40 15,-80 40 32,-1 0-47,1 40 16,0-40-16,80 0 47,0 0-32,1 0-15,-41-40 16,40 40-1,-80 0 17</inkml:trace>
-  <inkml:trace contextRef="#ctx0" brushRef="#br0" timeOffset="135110.38">18940 10066 0,'-40'0'31,"40"40"48,0 1-64,0-1-15,0 0 16,0 0-16,0 0 15,40-40-15,-40 40 0,40 0 0,0 0 16,-40 0-16,40-40 0,-40 40 16,40 1-16,0-41 0,-40 40 0,40-40 15,-40 40-15,41 0 0,-1 0 16,-40 0 0,-40-40 15,40-40-16,0 0-15,-41 0 16</inkml:trace>
+  <inkml:trace contextRef="#ctx0" brushRef="#br0" timeOffset="135110.37">18940 10066 0,'-40'0'31,"40"40"48,0 1-64,0-1-15,0 0 16,0 0-16,0 0 15,40-40-15,-40 40 0,40 0 0,0 0 16,-40 0-16,40-40 0,-40 40 16,40 1-16,0-41 0,-40 40 0,40-40 15,-40 40-15,41 0 0,-1 0 16,-40 0 0,-40-40 15,40-40-16,0 0-15,-41 0 16</inkml:trace>
   <inkml:trace contextRef="#ctx0" brushRef="#br0" timeOffset="135692.91">18940 10066 0,'0'40'62,"40"1"-46,-40-1-16,0 0 0,0 0 0,0 0 16,0 0-16,0 0 0,0 0 0,0 40 15,0-39-15,0-1 0,0 0 16,0 0-16,0-80 31,0 0-15,0 0-16,0-41 15,0 41-15,0 0 16,0 0-16,0 0 16,0 80-1,-40-40-15,40 40 16,0 0-16,0 0 0,0 0 0,0 1 16,0-1-1</inkml:trace>
   <inkml:trace contextRef="#ctx0" brushRef="#br0" timeOffset="136743.91">18900 9986 0,'-41'0'15,"41"40"1,-40-40-16,40 40 0,-40-40 16,40 40-16,-40-40 15,0 0 1,80-40 15,0 40-15,0-40-16,0 40 0,-40-40 15,41 40-15,-41-40 16,-41 40 15,41 40-31,-40-40 0,40 40 16,-40-40-16,40 40 0,-40-40 16,0 0-16,40 40 0,-40-40 15,80 0 32,0 0-47,0 0 16,0 0-16,0 0 0,-40-40 0,41 40 15,-1-40-15,0 40 16,-40-40-16,-40 40 31,0 40-15,40 0-1,-41-40-15,1 0 16,80 0 62,1 0-62,-1 0-1,0 0 1,-80 0 31,0 0-47,-1 0 16,1 0-16,40 40 15,-40-40-15,0 0 16,80 0-1,0 0 1,0 0-16,-40-40 16</inkml:trace>
   <inkml:trace contextRef="#ctx0" brushRef="#br0" timeOffset="138962.53">20103 4612 0,'0'40'47,"0"0"-31,40-40-16,-40 40 15,41-40-15,-1 40 0,-40 1 0,40-41 16,0 40-16,0-40 0,-40 40 0,40-40 16,0 40-16,0 0 0,1-40 0,-1 40 15,0-40-15,0 0 0,0 40 0,0-40 16,0 40-16,0-40 0,41 0 15,-41 40-15,0-40 0,0 40 0,0-40 16,0 41-16,0-41 0,1 40 0,-1 0 16,40-40-16,-40 40 0,40 0 0,1-40 15,-41 40-15,40 0 0,0-40 0,0 40 16,1-40-16,39 40 0,-40-40 0,1 41 16,39-41-16,-40 40 0,41-40 0,-1 0 15,-40 40-15,41-40 0,-41 0 0,0 40 16,0-40-16,1 40 0,-1-40 0,0 40 15,0-40-15,1 0 0,-41 40 0,40-40 16,0 40-16,1-40 0,-1 40 0,0-40 16,0 0-16,1 0 0,-1 0 0,0 40 15,0-40-15,1 0 0,-1 0 16,0 0-16,0 0 0,-40 0 0,41 0 16,-41 0-16,40 0 0,-40 0 0,0 41 15,0-41-15,1 0 0,39 0 0,-40 0 16,0 0-16,40 0 0,-40 0 0,1 0 15,39 0-15,-40 0 0,40 0 0,-40-41 16,41 41-16,-1 0 0,-40 0 0,40-40 16,1 40-16,-1 0 0,-40 0 0,40 0 15,0-40-15,1 40 0,-1 0 16,0 0-16,0 0 0,1-40 0,-1 40 16,0 0-16,0-40 0,1 40 0,-1 0 0,-40-40 15,40 40-15,1 0 0,-41-40 16,40 40-16,-40 0 0,0 0 0,0-40 15,0 40-15,1 0 0,-1 0 0,0 0 16,0 0-16,-40-40 0,40 40 16,0 0 46,0 0-46,-40-40-1,40 40-15</inkml:trace>
@@ -499,8 +499,8 @@
   <inkml:trace contextRef="#ctx0" brushRef="#br0" timeOffset="7471.87">17014 1925 0,'0'-40'15,"-41"40"1,41-40-16,-40 40 16,0-40-16,0 40 15,0 0 1,0 40 0,0 0-16,40 0 0,-40-40 15,40 40-15,0 0 0,-41 0 0,41 0 16,0 0-16,0 1 0,0-1 15,41-40-15,-1 0 16,40 0-16,-80-40 16,40 40-16,0-41 0,0 1 0,-40 0 15,40 0-15,1 0 0,-41 0 16,40 0-16,-40 0 0,40 40 16,-40-40-16,0 80 15,0 40-15,0 0 16,0-40-16,0 0 0,0 41 0,0-1 15,0-40-15,0 40 0,0-40 0,0 40 16,-40-39-16,40-1 0,-40 0 16,-41 0-16,41-40 15,0 0-15,0-80 16,0 80-16,40-40 0,0-1 0,-40 1 0</inkml:trace>
   <inkml:trace contextRef="#ctx0" brushRef="#br0" timeOffset="7771.91">17294 2045 0,'0'-40'16,"0"80"15,0 0-31,0 0 16,0 1-1,0-1-15,41 0 0,-41 0 16,40-40 15,-40-40-31,40 0 16,-40 0-16,40-1 0,0 41 16,-40-40-16,40 0 0,-40 0 0,40 40 15,0 0-15,-40-40 0,41 40 16,-1 0-16</inkml:trace>
   <inkml:trace contextRef="#ctx0" brushRef="#br0" timeOffset="8137.87">18097 1965 0,'-40'0'16,"0"0"-1,0 0-15,-1 0 32,1 0-17,40 40-15,-40-40 0,40 40 0,-40 0 16,0 0-16,40 1 0,-40-1 16,40 0-16,-40 0 0,40 0 15,40-40 1,0 0-16,0-40 15,0 40-15,0-40 0,0-40 16,1 80-16,-41-41 0,40 1 16,-40 0-16,40 40 0,-40-40 0,40 40 15,-40 40 1,0 40 0,0-39-16,0-1 15,0 0-15,0 0 0,0 0 0,0 0 16</inkml:trace>
-  <inkml:trace contextRef="#ctx0" brushRef="#br0" timeOffset="8338.86">18298 1965 0,'0'40'15,"-40"-40"-15,40 40 16,0 0-16,0 0 0,0 1 0,0-1 15,0 0-15,0 40 0,0-40 0,0 0 16,0 0-16,0 0 0,0 1 0,0-1 16,0 0-16,0 0 15,0 0-15,-41-40 16</inkml:trace>
-  <inkml:trace contextRef="#ctx0" brushRef="#br0" timeOffset="8573.86">18217 2085 0,'41'0'16,"-1"0"-16,0 0 0,0 0 16,0 0-16,0 0 15,-40 40-15,40-40 0,-40 41 0,40-41 16,-40 40-16,0 0 0,0 0 15,-40 0-15,40 0 0,-80-40 16,80 40-16,-40-40 0,0 0 0,0 0 16,0 0-16,-1 0 0,41-40 15,-40 40-15</inkml:trace>
+  <inkml:trace contextRef="#ctx0" brushRef="#br0" timeOffset="8338.85">18298 1965 0,'0'40'15,"-40"-40"-15,40 40 16,0 0-16,0 0 0,0 1 0,0-1 15,0 0-15,0 40 0,0-40 0,0 0 16,0 0-16,0 0 0,0 1 0,0-1 16,0 0-16,0 0 15,0 0-15,-41-40 16</inkml:trace>
+  <inkml:trace contextRef="#ctx0" brushRef="#br0" timeOffset="8573.85">18217 2085 0,'41'0'16,"-1"0"-16,0 0 0,0 0 16,0 0-16,0 0 15,-40 40-15,40-40 0,-40 41 0,40-41 16,-40 40-16,0 0 0,0 0 15,-40 0-15,40 0 0,-80-40 16,80 40-16,-40-40 0,0 0 0,0 0 16,0 0-16,-1 0 0,41-40 15,-40 40-15</inkml:trace>
   <inkml:trace contextRef="#ctx0" brushRef="#br0" timeOffset="8922.44">18819 1524 0,'0'40'0,"0"0"16,0 40-16,0-40 15,0 1-15,0-1 0,0 0 0,0 40 16,-40-40-16,40 40 0,0-40 0,0 41 15,-40-41-15,40 0 0,-40 40 0,40-40 16,0 0-16,-40 0 16,40-80-1,80 40-15,-80-80 0,40 40 16,0 0-16,0 40 0,1-40 0,-41 0 16,40-1-16,0 41 0,-40-40 15,40 40-15,-40 40 16,0 41-16,0-41 0,0 0 15,0 0-15,0 0 0,0 0 0,0 0 16,0 0-16</inkml:trace>
   <inkml:trace contextRef="#ctx0" brushRef="#br0" timeOffset="15470.1">2528 4452 0,'0'-41'16,"0"1"31,40 40-32,-40 40 63,40-40-62,-40 41-16,0-1 16,0 0-1,40 0 1,-40 0-16,0 0 16,0 0-16,0 0 0,0 0 15,0 1-15,40-41 16,-40 40-16,0 0 0,0 0 15,0 0-15,0 0 16,41-40-16,-41 40 16,0 0-16,0 0 15,0 0 1,0 1 0,40-41-16,-40 40 15,0-80 63,0-1-62,0 1 0,0 0-1,0 0-15,0 0 16,0 0-16,0 0 15,0 0 1,0 0-16,0 0 16,-40 40-16,40-41 15,0 1-15,0 0 16,-41 40 0,41-40-16,0 0 15,-40 40 1,40-40-1,0 0 1,0 0 15,-40 40-15,40-40 0,0 80 109,0 0-110,0 0-15,-40-40 16,40 40-16,-40-40 0,40 40 15,40-80 32,0 40-31,-40-40-16,0 0 0,40 0 16,0 0-16,-40-1 15,0 82 16,0-1-15,-40-40-16,40 40 0,-40 0 16,40 0-16,-40-40 0,40 40 15</inkml:trace>
   <inkml:trace contextRef="#ctx0" brushRef="#br0" timeOffset="15951.12">2568 5254 0,'-40'0'15,"40"40"1,40-40 15,0 0-15,0-40-16,0 40 0,1-40 15,-1 40-15,0 0 0,0 0 0,0-41 16,0 41-16,0 0 0,0 0 16,1 0-16,-1 0 0,0 0 15,-40 41 1,-40-41 0,0 0-16,-41 0 15,41 40-15,0-40 0,0 0 16,0 0-16,0 0 0,0 40 15,-1-40 1,82 0 0,39 0-16,-40 0 15,0 0-15</inkml:trace>
@@ -654,7 +654,7 @@
   <inkml:trace contextRef="#ctx0" brushRef="#br0" timeOffset="-44801.99">2648 9826 0,'40'-40'31,"1"40"-31,-41-41 0,40 41 16,-40-40-16,40 40 0,0 0 0,0 0 16,0 0-16,-40-40 0,40 40 0,0 0 15,1 0-15,-1 0 16,-40 80-16,0-39 15,-40-1-15,40 0 0,-41-40 16,41 40-16,-80-40 0,80 40 0,-40-40 16,0 40-16,80-40 31,40 0-15,-40-40-16,1 40 0,-1 0 15,0 0-15,-40 40 16,0 0-16,0 0 15,-40-40-15,40 40 0,-40 1 0,-41-1 16,41-40-16,0 40 16,0-40-16,0 0 0</inkml:trace>
   <inkml:trace contextRef="#ctx0" brushRef="#br0" timeOffset="-44166.16">2969 10507 0,'40'0'15,"-40"41"-15,41-1 0,-41 0 16,40 0-16,0-40 0,-40 80 0,40-40 16,-40 0-16,40 0 0,-40 1 0,40-1 15,-40 0-15,40 0 0,-40 0 0,0 0 16</inkml:trace>
   <inkml:trace contextRef="#ctx0" brushRef="#br0" timeOffset="-42532.52">3451 9745 0,'40'0'63,"-40"-40"-48,40 0 1,0 0 0,-40 0-16,40 40 0,1-40 15,-1 0-15,0 0 16,0 0-16,0 40 16,0-40-16,0 40 0,0-41 0,1 1 15,-1 40-15,0-40 0,0 40 0,0-40 16,0 40-16,0-40 0,41 40 15,-41-40-15,0 0 0,0 40 0,0-40 16,0 40-16,40-40 0,-39 40 0,-1-41 16,0 41-16,0-40 0,0 40 0,40-40 15,-40 40-15,1 0 0,-1-40 0,0 40 16,0 0-16,0-40 0,0 40 0,0 0 16,0-40-16,1 40 0,-1 0 0,0-40 15,0 40-15,0 0 0,0-40 0,0 40 16,0 0-16,1-40 0,-1 40 0,0 0 15,0-40-15,0 40 0,0 0 16,0 0-16,0 0 0,1 0 16,-1-41-16,0 41 0,0 0 15,0 0-15,0 0 0,0 0 16,0 0-16,1 0 0,-1 0 0,0 0 16,0 0-16,0 0 15,0 0-15,0 0 0,0 0 0,1 0 16,-1 41-16,0-41 0,0 40 15,0-40-15,-40 40 0,40-40 16,0 0-16,0 40 0,1 0 16,-1 0-1,-40 0-15,40-40 16,-40 40-16,40 0 16,-40 0-1,0 1 32,40-41-31,-40 40-1</inkml:trace>
-  <inkml:trace contextRef="#ctx0" brushRef="#br0" timeOffset="-40948.35">7343 10507 0,'-40'0'32,"40"41"-32,-40-1 15,40 0-15,-40 0 16,0 0-16,-1 0 16,1 0-16,40 0 15,-40 0-15,0 1 16,40-1-16,-40-40 0,0 40 0,0-40 15,0 40-15,-1-40 0,1 40 16,-40-40-16,40 0 0,0 0 0,0 40 16,-41-40-16,41 0 0,-40 0 0,40 0 15,-40 0-15,40 40 0,-41-40 0,1 0 16,40 0-16,-40 0 0,40 0 0,-41 0 16,1 0-16,40 0 0,-40-40 0,40 40 15,-41 0-15,41-40 0,0 40 0,-40-40 16,40 40-16,0 0 0,-1-40 0,1 40 15,-40-40-15,40 40 0,0-40 0,0 40 16,0-41-16,-1 41 0,1-40 16,0 40-16,0-40 0,0 40 0,0-40 15,0 0-15,0 40 0,-1-40 0,1 0 16,0 0-16,0 40 0,0-40 16,0 40-16,40-41 0,-40 41 0,0 0 15,40-40-15,-41 40 0,1 0 0,0-40 16,0 40-16,0-40 15,0 40-15,40-40 16,-40 40-16,0 0 0,40-40 16,-41 40-16,1 0 15,40-40-15,-40 40 0,0 0 16,40-40-16,-40 40 0,0-40 16,0 40-1,40-40 1,-40-1 15,-1 41 0,41-40-15,41 121 31,-41-41-47,40-40 0,-40 40 15,0 0-15,0 0 0,0 0 0,0 0 16,0 0-16,0 0 0,0 0 16,0 1-16,0-1 0,40 0 0,-40 0 15,0 0 1,0-80 15,0 0-31,0 0 16,0 0-16,0-1 15,0 1 1,0 0-16,0 0 16,0 0-1,0 0 1,0 0 31,40 40-32,0-40-15,0 40 16,0 0-16,0 0 0,-40-40 0,41 40 16,-1 0-16,0 0 0,0 0 15,0 0-15,0 0 16,-40 40 15,0 0-15,-40-40-16,40 40 15,-40-40-15,40 40 0,-40-40 0,0 40 16,40 0-16,-40-40 0,-1 0 0,41 40 16,-40-40-16,40 40 15,0-80 17,0 0-32,40 40 15,-40-40-15,0 0 0,41 40 16,-41-40-16,-41 40 15,1 40 1,0-40-16</inkml:trace>
+  <inkml:trace contextRef="#ctx0" brushRef="#br0" timeOffset="-40948.36">7343 10507 0,'-40'0'32,"40"41"-32,-40-1 15,40 0-15,-40 0 16,0 0-16,-1 0 16,1 0-16,40 0 15,-40 0-15,0 1 16,40-1-16,-40-40 0,0 40 0,0-40 15,0 40-15,-1-40 0,1 40 16,-40-40-16,40 0 0,0 0 0,0 40 16,-41-40-16,41 0 0,-40 0 0,40 0 15,-40 0-15,40 40 0,-41-40 0,1 0 16,40 0-16,-40 0 0,40 0 0,-41 0 16,1 0-16,40 0 0,-40-40 0,40 40 15,-41 0-15,41-40 0,0 40 0,-40-40 16,40 40-16,0 0 0,-1-40 0,1 40 15,-40-40-15,40 40 0,0-40 0,0 40 16,0-41-16,-1 41 0,1-40 16,0 40-16,0-40 0,0 40 0,0-40 15,0 0-15,0 40 0,-1-40 0,1 0 16,0 0-16,0 40 0,0-40 16,0 40-16,40-41 0,-40 41 0,0 0 15,40-40-15,-41 40 0,1 0 0,0-40 16,0 40-16,0-40 15,0 40-15,40-40 16,-40 40-16,0 0 0,40-40 16,-41 40-16,1 0 15,40-40-15,-40 40 0,0 0 16,40-40-16,-40 40 0,0-40 16,0 40-1,40-40 1,-40-1 15,-1 41 0,41-40-15,41 121 31,-41-41-47,40-40 0,-40 40 15,0 0-15,0 0 0,0 0 0,0 0 16,0 0-16,0 0 0,0 0 16,0 1-16,0-1 0,40 0 0,-40 0 15,0 0 1,0-80 15,0 0-31,0 0 16,0 0-16,0-1 15,0 1 1,0 0-16,0 0 16,0 0-1,0 0 1,0 0 31,40 40-32,0-40-15,0 40 16,0 0-16,0 0 0,-40-40 0,41 40 16,-1 0-16,0 0 0,0 0 15,0 0-15,0 0 16,-40 40 15,0 0-15,-40-40-16,40 40 15,-40-40-15,40 40 0,-40-40 0,0 40 16,40 0-16,-40-40 0,-1 0 0,41 40 16,-40-40-16,40 40 15,0-80 17,0 0-32,40 40 15,-40-40-15,0 0 0,41 40 16,-41-40-16,-41 40 15,1 40 1,0-40-16</inkml:trace>
   <inkml:trace contextRef="#ctx0" brushRef="#br0" timeOffset="-39442.82">2688 5775 0,'41'0'16,"-1"0"15,-40 40 0,0 0-15,0 0-16,0 0 0,0 1 0,0-1 15,0 0-15,0 40 0,0-40 0,0 40 16,0-40-16,0 41 0,0-1 0,0 0 16,-40 0-16,40 0 0,0 1 0,-41-1 15,41 0-15,0 0 0,0 1 0,0-1 16,-40 0-16,40 0 0,0 0 15,0-40-15,0 41 0,0-41 0,0 40 16,-40-40-16,40 40 0,0-40 0,0 1 16,0 39-16,0-40 0,0 0 0,0 0 15,-40 0-15,40 0 0,0 0 0,0 0 16,0 1-16,0-1 0,0 0 0,0 0 16,0 0-16,0 0 0,0 0 15,0 0-15,0 0 0,0 1 16,0-1-16,0 0 0,0 0 15,0 0 1,0 0-16,0 0 16,40-40-1,-40 40-15,0 0 16,0 0-16,0 1 16,40-41-1,-40 40-15,0 0 31,0 0-15,0 0 0,40-40-16,-40-40 62,0 0-46,-40 40-1,40-40-15,-40 0 0,40-1 16,-40 1-16,40 0 16,-40 40-16,40-40 0,-40 0 15,40 0-15,-40 40 16,0 0 0,40-40-1,40 40 48,0 0-48,0 40-15,0-40 16,0 0-16,0 0 16,0 0-16,1 40 0,-1-40 15,0 0-15,0 0 16,0 0-1,-40 40 17,-40-40-17,0 40-15,0-40 16,40 40-16,-40-40 0,-1 0 16,41 40-16,-40-40 15,40-40 16,0 0-31,40 40 16</inkml:trace>
   <inkml:trace contextRef="#ctx0" brushRef="#br0" timeOffset="-37966.79">16853 13836 0,'-40'0'16,"40"-40"46,40 40-62,-40-40 16,40 40-16,0 0 16,-40-40-16,40 40 0,1 0 15,-1 0-15,0-40 0,0 40 16,0 0-16,0 80 16,0-80-16,-40 40 15,0 0-15,0 0 16,0 0-16,-40 1 0,-40-1 15,40 0-15,0 0 0,0-40 0,-1 40 16,1 0-16,0-40 0,0 40 16,0-40-16,0 40 0,80-40 47,0 0-47,0 0 0,0 0 15,0 0-15,1 0 0,39 0 16,-40 0-16,0 0 0,40 0 0,-40-40 15,41 40-15,-41-40 0</inkml:trace>
   <inkml:trace contextRef="#ctx0" brushRef="#br0" timeOffset="-32170.38">21789 13876 0,'0'-40'0,"-41"40"0,82 0 140,-1 0-140,0 0 16,0 0-16,0 0 0,0 0 16,0 0-16,1 0 0,-1 0 15,0 0-15,-40 40 0,40-40 16,0 0-16,0 0 15,-40 40-15,40 1 0,-40-1 16,0 0 0,-80-40-16,40 40 15,0-40-15,0 40 0,0-40 0,-1 0 16,1 40-16,0-40 0,0 0 16,40 40-16,-40-40 0,40 40 15,0 0 16,40-40-31,0 0 16,0 0 0,0 0-16,1 0 15</inkml:trace>
@@ -682,7 +682,7 @@
   <inkml:trace contextRef="#ctx0" brushRef="#br0" timeOffset="40209.87">30937 10227 0,'41'0'0,"-41"-40"15,0 0 1,40 40 0,0 0-1,-40 40 1,-80 40-1,80-40-15,-41 0 0,1 0 0,0 40 16,0-40-16,0 41 0,0-41 0,0 40 16,0-40-16,-1 0 0,1 40 0,0-39 15,0-1-15</inkml:trace>
   <inkml:trace contextRef="#ctx0" brushRef="#br0" timeOffset="40412.83">30456 10548 0,'0'40'0,"0"40"0,0-40 15,0 0-15,0 0 0,0 0 0,0 0 16,0 1-16,40-1 0,0 0 16,0-40-16,0 40 0,1-40 0,-1 0 15,0 0-15,0 0 0,0 0 0,0-40 16,0 40-16,0-40 0,1 0 15,39-1-15,-40-39 0,0 40 0,0 0 0</inkml:trace>
   <inkml:trace contextRef="#ctx0" brushRef="#br0" timeOffset="41281.08">31820 9344 0,'40'0'0,"-40"-40"15,0 0-15,0 0 16,-40 40 0,0 0-1,40 40-15,-40-40 16,40 80-16,-40-39 0,40-1 15,0 0-15,0 0 0,0 0 0,0 0 16,0 0-16,0 0 0,0 0 16,40 0-16,-40 1 0,0-1 0,40-40 15,-40 40-15,-40-40 32,0 0-32,0 0 15,0-40-15,-1 40 16,41-40-16,41 40 15,-1 0 1,-40-41-16,80 41 0,-40 0 16,0 0-16,0 0 0,0 0 0,1 0 15,-1 0-15,0-40 0,0 40 16,-40-40-16,40 40 16,-40-40-16,40 0 0,-40 0 15,0 0 1,0 0-1,0 80 1,-40-40 0,40 40-16,0 40 0,0-40 15,0 0-15,0 0 0,40 1 16,0-1-16,41-40 16,-41 0-1,0 0-15,0-40 0,0 40 0,-40-41 16,40 1-16,0 0 0,0 0 0,1 0 15,-1 0-15,-40 0 0,40 0 0,-40 0 16,0 0-16,40-1 0,-40 1 16,0 0-16,-80 120 15,80-39 1,0-1-16,-40 0 0,40 0 16,0 40-16,0-40 0,0 0 0,0 0 15,0 0-15,40 1 0,-40-1 16,40-40-16</inkml:trace>
-  <inkml:trace contextRef="#ctx0" brushRef="#br0" timeOffset="41609.22">32542 9465 0,'-40'0'15,"121"40"16,-41 0-31,0 0 16,0-40-16,0 0 0,0 0 0,0 0 16,41 0-16,-41 0 0,0 0 0,0 0 15,0 0-15,0 0 0,0-40 0,1 40 16,-41-40-16,-41 40 31,41 40-15,-40-40-16,40 40 0,0 0 15,0 0-15,0 0 0,0 0 0,0 1 16,0-1-16,0 0 0,0 0 0,40 0 16,-40 0-16,0 0 0,-80 0 15,40-40 1,0 0-16,-40 0 0,40 0 0,-1 0 16,1 0-16,-40 0 0,40 0 0</inkml:trace>
+  <inkml:trace contextRef="#ctx0" brushRef="#br0" timeOffset="41609.21">32542 9465 0,'-40'0'15,"121"40"16,-41 0-31,0 0 16,0-40-16,0 0 0,0 0 0,0 0 16,41 0-16,-41 0 0,0 0 0,0 0 15,0 0-15,0 0 0,0-40 0,1 40 16,-41-40-16,-41 40 31,41 40-15,-40-40-16,40 40 0,0 0 15,0 0-15,0 0 0,0 0 0,0 1 16,0-1-16,0 0 0,0 0 0,40 0 16,-40 0-16,0 0 0,-80 0 15,40-40 1,0 0-16,-40 0 0,40 0 0,-1 0 16,1 0-16,-40 0 0,40 0 0</inkml:trace>
   <inkml:trace contextRef="#ctx0" brushRef="#br0" timeOffset="46406.8">26243 13756 0,'40'0'16,"0"0"15,0 0 0,-40-40 0,0 0-15,-40 0 0,0 40-1,40-40-15,-40 40 0,0-41 0,-1 41 16,1 0-16,0 0 15,0 0-15,0 0 0,40 41 16,-40-41-16,0 40 0,0 40 16,-1-80-16,41 40 0,-40 0 0,0 0 15,40 0-15,0 0 0,0 1 16,0-1-16,0 0 16,0 0-16,40-40 15,0 0-15,1 0 16,-1 0-16,0 0 0,0-40 0,0 40 15,0 0-15,0 0 0,0-40 16,1 0-16,-1-1 16,-40 1-16,40 0 0,-40 0 15,40 0-15,-40 0 16,0 0-16,0 0 0,40 40 16,-40 40 30,0 0-30,0 0 0,0 0-16,0 0 0,-40 0 15,40 0-15,0 41 0,0-41 16,0 0-16,0 40 0,0-40 0,-40 40 16,40-40-16,0 41 0,0-41 0,0 40 15,0-40-15,-40 0 0,40 0 0,0 0 16,0 1-16,0-1 0</inkml:trace>
   <inkml:trace contextRef="#ctx0" brushRef="#br0" timeOffset="46788.66">26684 14037 0,'0'40'47,"0"0"-47,0 0 15,0 0-15,0 0 16,0 0-16,0 0 16,40-40-16,0 0 15,0 0-15,-40-40 16,41 40-16,-41-40 0,0 0 16,0 0-16,0 0 15,-41 40-15,41-40 0,-40 40 16,40-40-16,-40 40 0</inkml:trace>
   <inkml:trace contextRef="#ctx0" brushRef="#br0" timeOffset="49064.43">28169 13596 0,'-40'0'141,"-1"0"-126,1 0 1,0 0 0,0 0-1,0 0-15,0 0 16,0 40-16,0-40 0,-1 0 16,1 40-16,0 0 15,0-40-15,40 40 0,-40-40 16,40 40-16,-40-40 0,40 40 15,-40-40-15,40 40 0,-40-40 16,40 40-16,0 1 16,0-1-16,0 0 15,-41-40-15,41 40 16,0 0-16,0 0 16,41 0-16,-1 0 15,0-40 1,-40 40-16,40-40 15,0 40 1,0-40 15,0 41-31,0-41 16,1 0 0,-1 0-1,0 0 1,0 0-16,0 0 15,0 0-15,0 0 16,0 0 0,1 0-1,-1 0-15,0 0 32,0 0 14,0 0 33</inkml:trace>
@@ -865,7 +865,7 @@
   <inkml:trace contextRef="#ctx0" brushRef="#br0" timeOffset="13754.83">18538 3850 0,'41'0'31,"-1"0"-16,0 0-15,0 0 16,0 0-16,0 0 0,0 0 0,0 0 16,1 0-16,39 0 0,-40 0 0,0 40 15,40-40-15,-40 0 0,41 0 0,-41 0 16,0 0-16,0 0 0,0 0 0,0 0 16,0 0-16</inkml:trace>
   <inkml:trace contextRef="#ctx0" brushRef="#br0" timeOffset="14085.83">19341 3569 0,'0'40'0,"-40"-40"0,80 0 32,40 40-17,-40-40-15,41 0 0,-41 0 16,0 0-16,0 0 0,0 0 0,0 0 16,0 0-16,0 0 0,1 41 15,-41-1 1,-41 0-16,41 0 0,-80 0 15,40 0-15,0 0 0,0 0 0,-40 0 16,39 1-16,1-1 0,0 0 16,40 0-16,-40-40 0,80 0 31</inkml:trace>
   <inkml:trace contextRef="#ctx0" brushRef="#br0" timeOffset="14437.84">20464 3529 0,'0'40'31,"0"0"-31,0 0 0,0 1 16,0-1-16,0 0 0,0 0 0,0 0 15,0 0-15,0 0 0,0 0 16</inkml:trace>
-  <inkml:trace contextRef="#ctx0" brushRef="#br0" timeOffset="14573.85">20625 3248 0,'-80'0'0,"40"41"16,-1-41 0,41 40-16,0 0 15</inkml:trace>
+  <inkml:trace contextRef="#ctx0" brushRef="#br0" timeOffset="14573.84">20625 3248 0,'-80'0'0,"40"41"16,-1-41 0,41 40-16,0 0 15</inkml:trace>
   <inkml:trace contextRef="#ctx0" brushRef="#br0" timeOffset="14855.83">20946 3409 0,'0'40'0,"0"0"16,-40 0-16,40 0 0,-40 0 16,40 0-16,-40 1 0,-1-1 15,41 0-15,0 0 0,0 0 0,0 0 16,0 0-16,0-80 31,41 40-31,-41-80 0,40 80 16,-40-40-16,80 0 0,-80 0 0,40-1 15,0 41-15,0-40 0,0 40 16,-40 40 0,0 1-16,0-1 0,0 0 15,0 0-15,0 0 0,0 0 16</inkml:trace>
   <inkml:trace contextRef="#ctx0" brushRef="#br0" timeOffset="15122.83">21748 3289 0,'-40'0'16,"40"-41"-16,-40 41 0,0 0 15,0 0-15,0 0 16,40 41-16,0-1 15,0 0-15,0 0 0,0 0 16,0 40-16,0-40 0,0 0 0,0 41 16,40-41-16,-40 40 0,0-40 0,0 0 15,0 0-15,0 0 0,0 0 0,40 1 16</inkml:trace>
   <inkml:trace contextRef="#ctx0" brushRef="#br0" timeOffset="15318.07">21468 3649 0,'40'0'16,"0"0"-1,0 0-15,0 0 16,0 0-16,0 0 16,0 0-16,1 0 0,-1 0 15,0 0-15,0 0 16,-40 41-1,0-1-15,0 0 16,0 0-16,-40-40 16</inkml:trace>
@@ -1160,7 +1160,7 @@
   <inkml:trace contextRef="#ctx0" brushRef="#br0" timeOffset="-169275.72">22872 16082 0,'0'-40'15,"0"0"-15,40 40 16,0-40-16,0 40 16,1 0-16,-1 0 0,0 0 15,40 0-15,-40 0 0,0 0 0,41 0 0,-41 40 16,0-40-16,0 40 0,0 0 0,-40 0 15,0 0-15,0 0 16,0 1-16,-40-1 0,40 0 0,-80 0 16,40 0-16,-1 0 0,-39 0 0,0 0 15,40 0-15,-40-40 0,-1 40 0,1 1 16,40-41-16,-40 40 0,40-40 0,-41 0 16,41 0-16</inkml:trace>
   <inkml:trace contextRef="#ctx0" brushRef="#br0" timeOffset="-168104.72">6260 6256 0</inkml:trace>
   <inkml:trace contextRef="#ctx0" brushRef="#br0" timeOffset="-164462.65">24276 16202 0,'0'41'235,"41"-41"-220,-41 40-15,0 0 16,40-40-1,-40 40-15,40-40 16,-40 40-16,0 0 16,0 0-1,40-40 32,-40-40-31,0 0-1,40 40-15,-40-40 0,0 0 16,40 40-16,-40-40 0,40 40 16,-40-40-16,40 40 0,-40-41 0,41 41 15,-41-40-15,40 40 0,-40-40 0,40 40 16,0-40-16,0 40 16,-80 0 30,40 40-46,-40-40 16,0 0-16</inkml:trace>
-  <inkml:trace contextRef="#ctx0" brushRef="#br0" timeOffset="-163144.21">24838 15922 0,'40'0'0,"-40"-40"78,-40 40 0,0 0-62,0-41-1,0 41 1,0 0-16,40-40 15,-40 40-15,-1 0 16,1 0 0,0 0 15,0 40-15,0-40-1,0 41 1,0-41-1,0 0-15,40 40 16,-41-40-16,1 0 16,40 40-1,-40-40 1,40 40-16,0 0 16,-40 0-16,40 0 15,0 0-15,0 0 16,0 1-16,0-1 0,0 0 15,40 0-15,0 0 16,-40 0-16,40 0 0,1 0 16,-1-40-16,0 40 0,0 0 0,0-40 15,0 41-15,0-41 0,0 40 0,1-40 16,-1 40-16,40-40 0,-40 0 0,0 0 16,0 0-16,0 0 0,1 0 0,39-40 15,-40 40-15,0-40 0,0 40 0,0-41 16,0 1-16,1 0 0,-41 0 15,40 40-15,-40-40 0,40 0 0,-40 0 0,0 0 16,0 0-16,0 0 0,0-1 16,-40 1-16,40 0 0,-40 0 0,40 0 15,-81 40-15,41-40 0,40 0 0,-80 40 16,80-40-16,-80 40 0,40 0 0,-1-40 16,1 40-16</inkml:trace>
+  <inkml:trace contextRef="#ctx0" brushRef="#br0" timeOffset="-163144.22">24838 15922 0,'40'0'0,"-40"-40"78,-40 40 0,0 0-62,0-41-1,0 41 1,0 0-16,40-40 15,-40 40-15,-1 0 16,1 0 0,0 0 15,0 40-15,0-40-1,0 41 1,0-41-1,0 0-15,40 40 16,-41-40-16,1 0 16,40 40-1,-40-40 1,40 40-16,0 0 16,-40 0-16,40 0 15,0 0-15,0 0 16,0 1-16,0-1 0,0 0 15,40 0-15,0 0 16,-40 0-16,40 0 0,1 0 16,-1-40-16,0 40 0,0 0 0,0-40 15,0 41-15,0-41 0,0 40 0,1-40 16,-1 40-16,40-40 0,-40 0 0,0 0 16,0 0-16,0 0 0,1 0 0,39-40 15,-40 40-15,0-40 0,0 40 0,0-41 16,0 1-16,1 0 0,-41 0 15,40 40-15,-40-40 0,40 0 0,-40 0 0,0 0 16,0 0-16,0 0 0,0-1 16,-40 1-16,40 0 0,-40 0 0,40 0 15,-81 40-15,41-40 0,40 0 0,-80 40 16,80-40-16,-80 40 0,40 0 0,-1-40 16,1 40-16</inkml:trace>
 </inkml:ink>
 </file>
 
@@ -1257,13 +1257,13 @@
   <inkml:trace contextRef="#ctx0" brushRef="#br0" timeOffset="76239.73">1525 2687 0,'40'0'78,"0"0"-62,0 0-16,0 0 16,0 0-1,1 0-15,-1 0 16,0 0-16,0 0 0,0 0 16,0 0-16,0 0 0,0 0 0,1 0 15,-1 0-15,0 0 0,0 0 0,0 0 16,0 0-16,0 0 0,0 0 0,1 0 15,-1 0-15,0 0 16,0 0-16,0 0 0,0 0 0,0 0 16,0 0-16,1 0 0,-1 0 15,0 0-15,0 40 0,0-40 0,0 0 16,0 0-16,0 0 0,1 0 0,-1 0 16,0 0-16,0 0 0,0 0 0,0 0 15,0 0-15,0-40 0,41 40 0,-41 0 16,0 0-16,0 0 0,0 0 0,0 0 15,1 0-15,-1 0 0,0 0 0,0 0 16,0 0-16,0 0 0,0 0 16,0 0-16,1 0 0,39 0 15,0 0-15,-40 0 0,0 0 0,0 0 16,1 0-16,-1 0 0,0 0 0,-40-40 16,40 40-16,0 0 0,0-40 15,0 40-15,0 0 0,1-40 0,-1 40 16,0 0-16,0 0 0,0 0 15,-40-40-15,40 40 0,0 0 0,0 0 16,1 0-16,-1 0 0,0 0 16,0 0-16,0 0 0,0 0 15,0 0-15,0 0 0,1 0 0,-1-41 16,0 41-16,0 0 0,0 0 16,0 0-16,0 0 0,0-40 0,1 40 15,-1 0-15,0 0 0,40 0 0,-40 0 16,0-40-16,0 40 0,1 0 0,-1 0 15,0 0-15,0 0 0,0 0 16,0 0-16,0 0 0,41 0 0,-41 0 16,0 0-16,0 0 0,0 0 0,0 40 15,0-40-15,0 0 0,1 0 0,-1 0 16,0 0-16,40 0 0,-40 0 0,0 0 16,0-40-16,41 40 0,-41 0 0,0-40 15,0 40-15,40-40 0,-40 40 0,1 0 16,39 0-16,-40-40 0,0 40 0,0-40 15,41 40-15,-41 0 0,0 0 16,0 0-16,0 0 0,40-40 0,-40 40 16,1 0-16,39 0 0,-40 0 0,0 0 15,40 0-15,-40 0 0,1-40 0,-1 40 16,0 0-16,0 0 0,0 0 0,0 0 16,0 0-16,0 0 0,1 0 0,-1 0 15,0 0-15,0 0 0,0 0 0,0 0 16,0-41-16,0 41 0,1 0 15,-41-40 1,-41 40 0</inkml:trace>
   <inkml:trace contextRef="#ctx0" brushRef="#br0" timeOffset="77005.75">3692 3329 0,'0'40'47,"40"-40"-31,-40 40-16,0 0 0,0 0 0,40 0 15,-40 0-15,0 0 0,0 41 16,0-41-16,0 0 0,0 0 0,0 0 16,0 0-16,0 0 0,0 0 0,-40-40 15,40 40-15</inkml:trace>
   <inkml:trace contextRef="#ctx0" brushRef="#br0" timeOffset="77443.77">3692 3289 0,'0'40'47,"0"0"-32,0 0-15,-40 0 0,-1-40 16,41 40-16,-40-40 0,40 40 16,-40-40-16,0 40 15,40-80 17,80 40-17,-80-40-15,40 0 16,1 0-1,-1 40-15,-40-40 16,40 40-16,-40-40 16,40 40-1,0 0 17,0 40-17,0-40-15,0 0 0,1 0 16,-1 0-16,0 0 0</inkml:trace>
-  <inkml:trace contextRef="#ctx0" brushRef="#br0" timeOffset="79805.43">1886 4772 0,'-40'0'16,"0"-40"0,0 40-16,-1 0 15,1 0-15,0 0 16,0 0-16,0 40 15,40 1 1,0-1-16,0 0 0,-40 0 0,40 0 16,0 0-16,0 40 0,80-40 0,-80 0 15,40 1-15,0-1 0,0 0 16,1-40-16,-1 0 0,0 0 0,0 0 16,40 0-16,-40-40 0,41 40 0,-41-81 15,0 41-15,0 0 0,40 0 0</inkml:trace>
+  <inkml:trace contextRef="#ctx0" brushRef="#br0" timeOffset="79805.42">1886 4772 0,'-40'0'16,"0"-40"0,0 40-16,-1 0 15,1 0-15,0 0 16,0 0-16,0 40 15,40 1 1,0-1-16,0 0 0,-40 0 0,40 0 16,0 0-16,0 40 0,80-40 0,-80 0 15,40 1-15,0-1 0,0 0 16,1-40-16,-1 0 0,0 0 0,0 0 16,40 0-16,-40-40 0,41 40 0,-41-81 15,0 41-15,0 0 0,40 0 0</inkml:trace>
   <inkml:trace contextRef="#ctx0" brushRef="#br0" timeOffset="80221.45">2688 4612 0,'-40'0'15,"0"0"1,0 0-1,0 0 1,0 0 0,0 40-1,0 0-15,40 0 16,0 0-16,-41 1 0,41-1 0,0 0 16,0 0-16,0 0 0,0 0 15,0 0-15,41-40 0,-1 0 16,0 0-16,0-40 15,0 40-15,-40-80 0,40 40 0,-40 0 16,40 0-16,0-1 0,-40 1 16,41 0-16,-41 0 0,0 0 15,0 80 17,0 40-32,0-40 15,0 1-15,0-1 0,40 0 0,-40 0 16,0 0-16,40-40 15</inkml:trace>
-  <inkml:trace contextRef="#ctx0" brushRef="#br0" timeOffset="80471.43">2809 4612 0,'40'0'16,"-40"40"-16,40 40 15,-40-40-15,0 1 0,0-1 16,40 0-16,-40 0 0,0 0 16,0-80 15,0 0-15,0 0-16,0 0 15,0-1-15,40 1 0,-40 0 16,40 0-16,1 0 15,-1 40-15,-40-40 0</inkml:trace>
-  <inkml:trace contextRef="#ctx0" brushRef="#br0" timeOffset="80655.43">3170 4331 0,'0'40'46,"0"0"-46,40 1 16,-40-1-16,40-40 0,-40 80 0,40-40 16,-40 0-16,40 0 0,-40 40 0,41-39 15,-41-1-15,0 0 0,40 0 16,-40 0-16,40 0 16</inkml:trace>
-  <inkml:trace contextRef="#ctx0" brushRef="#br0" timeOffset="81006.43">3250 4692 0,'40'0'32,"0"-40"-32,1 40 0,-1 0 15,0 0-15,0-40 0,0 40 16,0-40-16,0 40 0,1 0 0,-41-40 15,40 40-15,0 0 0,-40-40 0,40 40 16,0 0 0,-40-40-16,-40 40 31,0 0-15,40 40-1,-40 0-15,40 0 16,0 0-16,0 0 15,0 0-15,0 0 0,0 0 16,40-40-16,0 41 16,0-41-16,0 0 15,0 0-15,-40-81 0,40 81 0</inkml:trace>
-  <inkml:trace contextRef="#ctx0" brushRef="#br0" timeOffset="81240.43">4093 4411 0,'-40'-40'0,"0"40"15,40 81 1,0-41-16,0 0 16,40 0-16,-40 0 15,80 0-15,-40 0 16,0 0-16,0-40 0,-40 40 16,0 1-1,-40-41-15,0 40 16,0-40-16,-40 0 15,40 0-15,40-40 16,0-1-16,0-39 16,0 40-16,40 40 0,-40-40 15</inkml:trace>
-  <inkml:trace contextRef="#ctx0" brushRef="#br0" timeOffset="81371.43">4253 4492 0,'41'0'0,"-1"0"15,0 0-15,-40 40 16,40-40-16,-40 40 15,40-40-15,-40 80 0,0-40 16,0 0-16</inkml:trace>
+  <inkml:trace contextRef="#ctx0" brushRef="#br0" timeOffset="80471.42">2809 4612 0,'40'0'16,"-40"40"-16,40 40 15,-40-40-15,0 1 0,0-1 16,40 0-16,-40 0 0,0 0 16,0-80 15,0 0-15,0 0-16,0 0 15,0-1-15,40 1 0,-40 0 16,40 0-16,1 0 15,-1 40-15,-40-40 0</inkml:trace>
+  <inkml:trace contextRef="#ctx0" brushRef="#br0" timeOffset="80655.42">3170 4331 0,'0'40'46,"0"0"-46,40 1 16,-40-1-16,40-40 0,-40 80 0,40-40 16,-40 0-16,40 0 0,-40 40 0,41-39 15,-41-1-15,0 0 0,40 0 16,-40 0-16,40 0 16</inkml:trace>
+  <inkml:trace contextRef="#ctx0" brushRef="#br0" timeOffset="81006.42">3250 4692 0,'40'0'32,"0"-40"-32,1 40 0,-1 0 15,0 0-15,0-40 0,0 40 16,0-40-16,0 40 0,1 0 0,-41-40 15,40 40-15,0 0 0,-40-40 0,40 40 16,0 0 0,-40-40-16,-40 40 31,0 0-15,40 40-1,-40 0-15,40 0 16,0 0-16,0 0 15,0 0-15,0 0 0,0 0 16,40-40-16,0 41 16,0-41-16,0 0 15,0 0-15,-40-81 0,40 81 0</inkml:trace>
+  <inkml:trace contextRef="#ctx0" brushRef="#br0" timeOffset="81240.42">4093 4411 0,'-40'-40'0,"0"40"15,40 81 1,0-41-16,0 0 16,40 0-16,-40 0 15,80 0-15,-40 0 16,0 0-16,0-40 0,-40 40 16,0 1-1,-40-41-15,0 40 16,0-40-16,-40 0 15,40 0-15,40-40 16,0-1-16,0-39 16,0 40-16,40 40 0,-40-40 15</inkml:trace>
+  <inkml:trace contextRef="#ctx0" brushRef="#br0" timeOffset="81371.42">4253 4492 0,'41'0'0,"-1"0"15,0 0-15,-40 40 16,40-40-16,-40 40 15,40-40-15,-40 80 0,0-40 16,0 0-16</inkml:trace>
   <inkml:trace contextRef="#ctx0" brushRef="#br0" timeOffset="81452.64">4334 4331 0,'0'-40'0</inkml:trace>
   <inkml:trace contextRef="#ctx0" brushRef="#br0" timeOffset="81789.6">4895 4371 0,'-40'0'31,"0"0"-31,0 0 15,40 40-15,-40-40 0,40 41 16,-40-1-16,40 0 0,0 0 16,0 0-16,0 0 0,0 0 15,40-40-15,-40 40 16,40-40-16,0 0 0,0 0 16,0-40-16,1 0 15,-1 0-15,-40-40 16,0 40-16,40 40 0,-40-40 15,0-1-15,0 82 16,0 39 0,0-40-16,0 0 15,0 0-15,0 0 0,0 0 16</inkml:trace>
   <inkml:trace contextRef="#ctx0" brushRef="#br0" timeOffset="82021.62">5096 4371 0,'40'0'16,"-40"40"-16,0 1 15,0-1-15,0 0 0,0 0 16,0 0-16,0 0 16,40-40-16,0 0 15,1-40-15,-1 0 16,0-40-16,0 80 15,0 0-15,0 0 16,0 0-16,0 0 0,1 0 0,-41 40 16,40-40-16,-40 80 0,40-40 0,-40 0 15,0 0-15,0 0 0</inkml:trace>
@@ -1360,11 +1360,11 @@
   <inkml:trace contextRef="#ctx0" brushRef="#br0" timeOffset="65988.64">8667 3890 0,'0'40'16,"-40"-40"-1,40 40-15,0 0 16,0 1-16,0-1 15,40 0-15,-40 0 0,40-40 0,-40 40 16,41-40-16,-1 0 0,-40 40 0,40-40 16,0 0-16,0 0 0,-40-80 15,40 80-15,-40-40 0,40 0 16,-40 0-16,0-1 0,0 1 16,0 0-16,-40 0 0,0 0 15,0 40-15,0 0 16,40-40-16,-40 40 0,0 0 15,-1 0 1,41 40-16</inkml:trace>
   <inkml:trace contextRef="#ctx0" brushRef="#br0" timeOffset="66370.64">9069 4051 0,'-41'0'0,"122"-81"47,-41 81-47,0-40 15,-40 0-15,40 40 0,-40-40 16,40 40-16,-40-40 0,40 40 0,-40-40 15,-40 40 17,40 40-32,-40 0 15,40 0-15,-40-40 0,40 40 16,0 0-16,0 0 0,0 1 0,0-1 16,0 0-16,40 0 15,0-40-15,0 0 16,0 0-16,1-40 0,-1 0 15,0 40-15,-40-40 0,40-1 16,-40 1-16,40 0 0,-40 0 0</inkml:trace>
   <inkml:trace contextRef="#ctx0" brushRef="#br0" timeOffset="66521.64">9590 3449 0,'0'-40'15,"0"80"1,40-40-16,-40 40 15,0 0-15,40 0 0,-40 0 0,0 41 16,41-41-16,-41 0 0,0 0 0,0 0 16,0 0-16,0 0 0,0 0 0,0 0 15,0 1-15</inkml:trace>
-  <inkml:trace contextRef="#ctx0" brushRef="#br0" timeOffset="67122.43">10232 4091 0,'0'40'31,"0"0"-31,40 0 16,-40 0-16,0 0 15,0 0-15,0 0 16,-40 0-16,0-40 16</inkml:trace>
-  <inkml:trace contextRef="#ctx0" brushRef="#br0" timeOffset="67654.43">10874 3449 0,'0'40'31,"40"0"-31,-40 0 0,0 0 15,41 0-15,-41 1 0,0-1 0,0 0 16,40 0-16,-40 40 0,0-40 0,0 0 16,0 0-16,0 1 0,40-41 0,-40 40 15,0 0-15</inkml:trace>
+  <inkml:trace contextRef="#ctx0" brushRef="#br0" timeOffset="67122.42">10232 4091 0,'0'40'31,"0"0"-31,40 0 16,-40 0-16,0 0 15,0 0-15,0 0 16,-40 0-16,0-40 16</inkml:trace>
+  <inkml:trace contextRef="#ctx0" brushRef="#br0" timeOffset="67654.42">10874 3449 0,'0'40'31,"40"0"-31,-40 0 0,0 0 15,41 0-15,-41 1 0,0-1 0,0 0 16,40 0-16,-40 40 0,0-40 0,0 0 16,0 0-16,0 1 0,40-41 0,-40 40 15,0 0-15</inkml:trace>
   <inkml:trace contextRef="#ctx0" brushRef="#br0" timeOffset="67971.45">11235 3649 0,'0'41'32,"-40"-1"-1,0 0-31,0 0 15,0-40 1,40 40-16,0 0 31,0 0-31,40-40 16,-40 40-16,40-40 0,-40 40 16,40-40-16,-40 41 0,40-41 0,1 0 15,-1 40 1,0-40-16,0 0 15,-40-81-15</inkml:trace>
   <inkml:trace contextRef="#ctx0" brushRef="#br0" timeOffset="68255.45">11717 3770 0,'-40'0'0,"0"0"16,0 0-16,40-40 16,-41 40-16,1 0 15,0 0 1,40 40-16,-40 0 16,40 0-16,0 0 0,-40 0 15,40 0-15,0 0 0,0 1 16,0-1-16,0 0 0,80 0 15,-40-40-15,0 0 16,1 0-16,-1 0 0,0 0 16,0-40-16,0 40 0</inkml:trace>
-  <inkml:trace contextRef="#ctx0" brushRef="#br0" timeOffset="68771.43">12319 4051 0,'0'40'31,"0"0"-15,0 0-1,0 0-15,0 0 16,-40-40 0,40 40-16,-40-40 0,-1 0 31</inkml:trace>
+  <inkml:trace contextRef="#ctx0" brushRef="#br0" timeOffset="68771.42">12319 4051 0,'0'40'31,"0"0"-15,0 0-1,0 0-15,0 0 16,-40-40 0,40 40-16,-40-40 0,-1 0 31</inkml:trace>
   <inkml:trace contextRef="#ctx0" brushRef="#br0" timeOffset="69238.11">13001 3569 0,'0'40'47,"0"0"-47,0 1 0,0-1 16,0 0-16,40 0 0,-40 0 16,40 0-16,-40 0 0,0 0 0,0 0 15,0 1-15,0-1 16,-80 0-16,80 0 0,-80-40 15,40 0-15,-1 0 16,41-40-16</inkml:trace>
   <inkml:trace contextRef="#ctx0" brushRef="#br0" timeOffset="69403.11">12961 3289 0,'-40'0'0,"0"0"16,120 40 15</inkml:trace>
   <inkml:trace contextRef="#ctx0" brushRef="#br0" timeOffset="69770.1">13362 3649 0,'-40'0'16,"40"-40"-1,0 80 1,0 1-1,0-1-15,0 0 16,0 0-16,0 0 0,0 0 0,0 0 16,40 0-16,-40 0 15,40-40-15,0 0 16,0 0 0,-40-40-16,41 40 0,-41-40 0,40 40 15,-40-40-15,0 0 0,40 0 16,-40 0-16,0 0 15,-80 40-15,39 0 16,1 0-16,0 0 16,0 0-16,40 40 0,-40-40 15</inkml:trace>
@@ -1441,11 +1441,11 @@
   <inkml:trace contextRef="#ctx0" brushRef="#br4" timeOffset="154049.75">22110 642 0,'-40'0'47,"40"-41"-31,-41 41-1,1 0-15,40 41 16,-40-1-16,40 40 16,-40-80-16,40 40 0,0 0 15,0 0-15,0 0 16,40-40-16,0 0 16,0 0-16,-40-40 0,41 40 15,-41-40-15,40 40 0,-40-80 0,40 80 16,-40-40-16,40 40 0,-40-40 0,0 0 15,0 80 17,0 0-32,0 0 15,-40-40-15,40 40 0,0 0 0,0 0 16,0 0-16,0 0 16</inkml:trace>
   <inkml:trace contextRef="#ctx0" brushRef="#br4" timeOffset="154299.74">22350 642 0,'0'40'31,"0"0"-15,0 0-16,0 0 16,0 0-1,0 0-15,0 0 16,0 0-16,0-80 31,0 0-15,0 0-16,0 0 15,0 0-15,41 40 0,-41-40 0,40 40 16,-40-40-16,40 40 0,-40-40 0,40 40 16,-40-41-16</inkml:trace>
   <inkml:trace contextRef="#ctx0" brushRef="#br4" timeOffset="154450.76">22671 441 0,'0'40'16,"0"0"-1,0 0-15,0 0 0,0 1 16,0-1-16,0 0 0,0 0 16,0 0-16,0 0 0,0 0 0,0 0 15,0 0-15,0 1 0</inkml:trace>
-  <inkml:trace contextRef="#ctx0" brushRef="#br4" timeOffset="154715.88">22671 762 0,'0'-40'0,"41"40"32,-1 0-17,0 0-15,0 0 16,0 0-16,0 0 0,0 0 15,0-40-15,-80 40 47,0 0-47,0 0 16,40 40-16,0 0 16,0 0-1,40-40 1,0 0-16,0-40 15</inkml:trace>
-  <inkml:trace contextRef="#ctx0" brushRef="#br4" timeOffset="154915.88">23033 682 0,'40'0'47,"-40"40"-47,0 0 0,0 0 31,0 0-31,0 0 0,0 0 32,-40-40-17,40-40-15,-41 40 16,41-40-16,0 0 0</inkml:trace>
-  <inkml:trace contextRef="#ctx0" brushRef="#br4" timeOffset="155082.88">23273 722 0,'0'40'31,"0"40"-15,0-40-16,0 0 15,-40-40-15,40 40 16</inkml:trace>
-  <inkml:trace contextRef="#ctx0" brushRef="#br4" timeOffset="155198.88">23273 601 0,'0'41'47,"40"-41"-47</inkml:trace>
-  <inkml:trace contextRef="#ctx0" brushRef="#br4" timeOffset="155531.88">23634 762 0,'-80'0'16,"80"-40"-16,-40 40 15,0 0 1,40 80-16,-40-40 15,40 0-15,0 0 16,0 0-16,0 1 0,40-1 16,0-40-1,0 0-15,-40-40 16,40 40-16,-40-41 0,40 1 16,-40 0-16,0 0 15,41 40-15,-41 40 16,0 0-1,0 0-15,0 1 0,0-1 16,0 0-16,0 0 16,0 0-1,40-40-15</inkml:trace>
+  <inkml:trace contextRef="#ctx0" brushRef="#br4" timeOffset="154715.87">22671 762 0,'0'-40'0,"41"40"32,-1 0-17,0 0-15,0 0 16,0 0-16,0 0 0,0 0 15,0-40-15,-80 40 47,0 0-47,0 0 16,40 40-16,0 0 16,0 0-1,40-40 1,0 0-16,0-40 15</inkml:trace>
+  <inkml:trace contextRef="#ctx0" brushRef="#br4" timeOffset="154915.87">23033 682 0,'40'0'47,"-40"40"-47,0 0 0,0 0 31,0 0-31,0 0 0,0 0 32,-40-40-17,40-40-15,-41 40 16,41-40-16,0 0 0</inkml:trace>
+  <inkml:trace contextRef="#ctx0" brushRef="#br4" timeOffset="155082.87">23273 722 0,'0'40'31,"0"40"-15,0-40-16,0 0 15,-40-40-15,40 40 16</inkml:trace>
+  <inkml:trace contextRef="#ctx0" brushRef="#br4" timeOffset="155198.87">23273 601 0,'0'41'47,"40"-41"-47</inkml:trace>
+  <inkml:trace contextRef="#ctx0" brushRef="#br4" timeOffset="155531.87">23634 762 0,'-80'0'16,"80"-40"-16,-40 40 15,0 0 1,40 80-16,-40-40 15,40 0-15,0 0 16,0 0-16,0 1 0,40-1 16,0-40-1,0 0-15,-40-40 16,40 40-16,-40-41 0,40 1 16,-40 0-16,0 0 15,41 40-15,-41 40 16,0 0-1,0 0-15,0 1 0,0-1 16,0 0-16,0 0 16,0 0-1,40-40-15</inkml:trace>
   <inkml:trace contextRef="#ctx0" brushRef="#br4" timeOffset="155814.97">23835 722 0,'0'40'0,"0"0"16,0 40-16,0-40 15,0 0-15,0 1 16,0-1-16,0 0 0,0 0 16,0 0-16,0 0 0,0-80 31,40 40-31,-40-40 15,40 0-15,0 40 0,1-40 0,-41 0 16,40-1-16,0 1 0,0 0 16,0 40-16,0 0 15,-40 40-15,0 41 16,0-41-16,0 0 0,0 0 0,0 0 16,0 0-16,0 0 15</inkml:trace>
   <inkml:trace contextRef="#ctx0" brushRef="#br4" timeOffset="157532.04">24798 722 0,'0'40'78,"0"0"-78,0 0 15,40 0-15,-40 0 0,0 0 16,0 1-16,0-1 0,0 40 0,0-40 0,0 0 16,0 0-16,-40 0 0,40 0 15,-40 0-15,40 1 0,-40-41 16</inkml:trace>
   <inkml:trace contextRef="#ctx0" brushRef="#br4" timeOffset="157766.06">24678 882 0,'0'-40'0,"40"40"15,-40-40-15,40 40 0,0 0 0,0 0 16,0 0-16,0 0 16,1 40-16,-1-40 0,0 40 15,-40 0-15,0 0 16,0 1-16,0-1 15,-40-40-15,40 40 0,-40-40 0,40 40 16,-81-40-16,81 40 0,-40-40 0,0 0 16,0 0-16</inkml:trace>
@@ -1600,7 +1600,7 @@
   </inkml:definitions>
   <inkml:trace contextRef="#ctx0" brushRef="#br0">2367 3850 0,'41'0'15,"-41"-40"1,40 40 15,-40 40-15,0 0-16,0 0 16,0 0-16,0 0 15,-81 1-15,81-1 0,-40 0 0,40 0 16,-40 40-16,0-40 0,0 40 15,0-40-15,40 41 0,-40-41 0,0 0 16,-1 0-16,41 0 0,-40 0 0,0 0 16,40-80 15,0-40-31</inkml:trace>
   <inkml:trace contextRef="#ctx0" brushRef="#br0" timeOffset="183.99">2167 4131 0,'0'-40'0,"40"40"16,0 0 0,0 40-16,-40 40 15,40-40-15,-40 0 0,40 0 16,-40 0-16,41 41 0,-41-41 0,40 0 16,-40 40-16,40-40 0,-40 0 15,40 0-15,0 0 0,0 1 16,-40-1-16,40-40 0,-40 40 0,40-40 15</inkml:trace>
-  <inkml:trace contextRef="#ctx0" brushRef="#br0" timeOffset="398.98">2167 4612 0,'40'0'31,"0"0"-31,40 0 16,-40 0-16,1 0 15,-1 0-15,0 0 0,0 0 16,0 0-16,0 0 0,0 0 16</inkml:trace>
+  <inkml:trace contextRef="#ctx0" brushRef="#br0" timeOffset="398.97">2167 4612 0,'40'0'31,"0"0"-31,40 0 16,-40 0-16,1 0 15,-1 0-15,0 0 0,0 0 16,0 0-16,0 0 0,0 0 16</inkml:trace>
   <inkml:trace contextRef="#ctx0" brushRef="#br0" timeOffset="599.99">3009 4612 0,'-40'0'0,"80"0"31,1 0-31,39 0 15,-40 0-15,0 0 0,0 0 16,0 0-16,0 0 16</inkml:trace>
   <inkml:trace contextRef="#ctx0" brushRef="#br0" timeOffset="765.99">3130 4492 0,'-40'0'0,"80"0"47,0 0-47,40 0 16,-40 0-16</inkml:trace>
   <inkml:trace contextRef="#ctx0" brushRef="#br0" timeOffset="1603.15">4534 3730 0,'40'0'0,"1"0"31,-41-40-31,0-1 31,-41 41-15,1 0-1,0 0-15,40 41 0,-40-41 16,40 80-16,-40-40 0,40 0 16,0 40-16,-40-40 0,40 0 0,0 1 15,0-1-15,0 0 0,0 0 0,0 0 16,0 0-16,0 0 0,-40 0 16,40 0-16,-40-40 15,40 40-15,-41-40 0,1 0 0,0 41 0,0-41 16,0 0-16,0 0 0,0 0 15,0-41-15,40 1 16,0 0-16,40 0 16,40 40-1,-40 0-15,0-40 0,0 40 0,0 0 16,1 0-16,-1 0 0,0 0 0,40 40 16,-40-40-16,-40 80 0,40-40 0,0 1 15,-40 39-15,0-40 0,0 40 0,0 0 16,0 1-16,0-41 0,0 40 0,0-40 15,0 40-15,0-40 0,0 0 0,0 0 16,81-40-16,-41 0 0,0 0 0,40 0 16,-40 0-16,41-40 0,-1 0 15</inkml:trace>
@@ -1765,8 +1765,8 @@
   <inkml:trace contextRef="#ctx0" brushRef="#br0" timeOffset="10989.09">1525 3609 0,'0'-40'16,"0"80"62,0 0-78,0 1 16,0-1-16,0 0 0,-40 0 15,40 0-15,-40 40 0,40-40 16,-41 0-16,1 1 0,0 39 0,0-40 16,40 0-16,-40 40 0,0-40 0,0 0 15,40 0-15,-40 1 0,-1-1 16,41 0-1,-40-40-15,40 40 16,-40 0 15,0-40 63,40 40-94,-40-40 16,40 40-16,0 0 15,-40-40-15,40-40 32,40 40-17,-40-40-15,40 0 16,0 0-1,-40 0-15,40 40 0,-40-40 16,40 0-16,-40-1 16,41 41-16,-41-40 0,0 0 0,40 40 15,-40-40-15,0 0 0,40 40 16,-40-40-16,40 0 0,-40 0 16,0 0-16,40 40 0,-40-40 0,0-1 15,40 41-15,-40-40 0,0 0 16,40 40-16,-40-40 0,40 0 15,-40 0-15,41 40 32,-41-40-32,0 0 78,40 40-31,-40-40-47,40 40 15,-40-41-15,0 1 16,40 40-16,-40-40 16,40 40-16,0 0 15,0 0 1,0 0-1,1 0-15,-41-40 0,40 40 16,0 0-16,0 0 0,0 0 16,0 0-16,0 0 15,0 0 1,1 0-16,-1 0 16,0 0-16,-40 40 15,40-40-15,-40 40 0,40-40 16,0 0-16,0 0 15,-40 40-15,40-40 16,-40 41 0,41-41-16,-41 40 15,0 0 1,0 0 0,-41 0-16,1 0 15,40 0-15,-40-40 0,0 40 16,0 0-16,0-40 0,40 41 15,-40-41-15,0 40 0,-1-40 0,1 0 0,0 40 16,0-40-16,0 0 16,0 0-16,0 40 0,0-40 15,-1 0-15,1 0 0,0 0 16,0 0-16,0 0 16,0 0-1,40-40-15,40 40 110,0 40-110,40-40 15,-80 40-15,40-40 0,1 40 16,-1-40-16,-40 40 0,40 0 0,0-40 15,0 40-15,0 0 0,-40 1 0,40-1 16,0-40-16,1 40 0,-1 0 16,-40 0-16,40-40 0,-40 40 15,40-40-15,-40 40 16,-40-40 46,40-40-46,-40 40-16,0 0 16,40-40-1,-41 40-15,41-40 32,-40 40-32,40-40 31,-40 40-31,0 0 15,40-40 1,-40 40 78,40-40-79,0-1 17,-40 41-17,40-40 1,-40 0 0,0 40-16,40-40 0,-41 40 15,41-40-15,-40 40 0,0-40 16,0 0-1,0 40 17,40-40-32,-40 40 47,40-40-16,40 80 63,0-40-79,0 0-15,0 0 16,0 0-1,1 40-15,-1-40 0,0 0 16,0 0-16,0 0 0,0 0 16,0 0-16,-40-40 0,40 40 15,1 0-15,-41-40 0,40 40 0,-40-40 16,40 40-16,0 0 0,-40-41 16,40 41-16,0 0 0,-40-40 15,40 40-15,-40-40 16,40 40-16,-40-40 15,0 0-15,41 40 16,-41-40-16,0 0 16,0 0-16,0 0 15,-41 40-15,41-41 16,-40 41-16,40-40 0,-40 40 16,0-40-16,0 40 0,0 0 15,0 0-15,0-40 0,-1 40 16,1 0-16,0 0 0,0 0 15,0 0-15,0 0 0,0 0 0,0 0 16,-1 0-16,1 40 0</inkml:trace>
   <inkml:trace contextRef="#ctx0" brushRef="#br0" timeOffset="12174.21">3050 4331 0,'-41'0'0,"1"0"15,80 0 63,1 0-62,-1 0-16,0 0 16,-40 40-16,40-40 0,0 0 15,0 0-15,0 0 16,0 40-16,1-40 16,-82 0 30,1 0-30,0 0-16,0 0 0,0 0 16,0 0-16,0 0 15,0 0-15,-1 0 16,1 0-16,0 0 16,80 0 30,0 0-46,1 0 16,-1-40-16,0 40 0,0 0 16,0 0-16,0 0 15,0 0-15</inkml:trace>
   <inkml:trace contextRef="#ctx0" brushRef="#br0" timeOffset="12604.19">3090 4091 0,'-40'0'32,"40"40"-32,0 0 31,80-40-31,-40 0 16,0 40-16,0-40 0,0 0 15,0 0-15,1 0 16,-1 0-16,-80 0 31,-1 0-15,-39-40-16,40 40 0,0 0 15,0 0-15,0 0 16,0 0-16,-1 0 0,1 0 16,40-40-1,40 40 16,41 0-31,-41 0 16</inkml:trace>
-  <inkml:trace contextRef="#ctx0" brushRef="#br0" timeOffset="14131.35">7102 2446 0,'40'0'140,"-40"40"-140,41-40 16,-41 41-1,40-41 1,0 0 15,0 0-15,-40-41-16,40 41 16,0 0-1,0-40 16,1 40 16,-1 0-15,0 0-1,0 0-31,0 0 15,-80 0 48,0 0-47,0 0-16,0 40 15,-1-40-15,1 0 16,0 0-16,40 41 15,-40-41-15,120 0 32,-40 0-17,1 0-15,-1 0 0,0 0 16,0 0 0,-40-41-1,-40 41 1,0 0-1,0 0-15,-1 0 16,1 41-16,0-41 16</inkml:trace>
-  <inkml:trace contextRef="#ctx0" brushRef="#br0" timeOffset="16072.35">4534 3489 0,'40'0'16,"-40"-40"249,0 0-249,-40 40 15,0 0-15,0 0 0,0 40-1,0-40 1,0 0-1,40 40 1,-40-40-16,-1 40 31,1-40-15,40 40-16,-40-40 16,40 40-1,-40-40 1,40 40-16,0 1 15,0-1 1,0 0 0,0 0-1,0 0-15,0 0 16,0 0 15,0 0-15,0 0 15,0 1-15,0-1 15,-40-40-31,40 40 31,0 0-15,-40-40-16,40 40 15,0 0 17,-40-40-32,40 40 15,-40-40-15,40 40 16,-41-40 0,41 40-16,-40-40 15,0 0 32,40-40-31,-40 40-16,0 0 15,40-40 1,0 0 0,40 40-1,-40-40-15,40 40 0,40 0 16,-80-40-16,41 40 0,-1 0 15,0 0-15,-40 40 16,40-40-16,-40 80 0,40-40 16,-40 0-16,40 41 0,-40-41 0,0 40 15,40-40-15,-40 40 0,0 0 0,40 1 16,-40-41-16,0 40 0,41 0 16,-41-40-16,40 0 0,0 0 0,0 1 15,0-41-15,0 40 0,40-40 0,-39 0 16</inkml:trace>
+  <inkml:trace contextRef="#ctx0" brushRef="#br0" timeOffset="14131.34">7102 2446 0,'40'0'140,"-40"40"-140,41-40 16,-41 41-1,40-41 1,0 0 15,0 0-15,-40-41-16,40 41 16,0 0-1,0-40 16,1 40 16,-1 0-15,0 0-1,0 0-31,0 0 15,-80 0 48,0 0-47,0 0-16,0 40 15,-1-40-15,1 0 16,0 0-16,40 41 15,-40-41-15,120 0 32,-40 0-17,1 0-15,-1 0 0,0 0 16,0 0 0,-40-41-1,-40 41 1,0 0-1,0 0-15,-1 0 16,1 41-16,0-41 16</inkml:trace>
+  <inkml:trace contextRef="#ctx0" brushRef="#br0" timeOffset="16072.34">4534 3489 0,'40'0'16,"-40"-40"249,0 0-249,-40 40 15,0 0-15,0 0 0,0 40-1,0-40 1,0 0-1,40 40 1,-40-40-16,-1 40 31,1-40-15,40 40-16,-40-40 16,40 40-1,-40-40 1,40 40-16,0 1 15,0-1 1,0 0 0,0 0-1,0 0-15,0 0 16,0 0 15,0 0-15,0 0 15,0 1-15,0-1 15,-40-40-31,40 40 31,0 0-15,-40-40-16,40 40 15,0 0 17,-40-40-32,40 40 15,-40-40-15,40 40 16,-41-40 0,41 40-16,-40-40 15,0 0 32,40-40-31,-40 40-16,0 0 15,40-40 1,0 0 0,40 40-1,-40-40-15,40 40 0,40 0 16,-80-40-16,41 40 0,-1 0 15,0 0-15,-40 40 16,40-40-16,-40 80 0,40-40 16,-40 0-16,40 41 0,-40-41 0,0 40 15,40-40-15,-40 40 0,0 0 0,40 1 16,-40-41-16,0 40 0,41 0 16,-41-40-16,40 0 0,0 0 0,0 1 15,0-41-15,0 40 0,40-40 0,-39 0 16</inkml:trace>
   <inkml:trace contextRef="#ctx0" brushRef="#br0" timeOffset="18587.12">13763 3449 0,'-40'0'0,"80"-40"93,0 40-93,1 0 16,-1 0 0,0 0-16,-40 40 15,0 0 1,0 0 0,0 0-16,0 0 15,0 0-15,0 1 0,-40-1 16,40 0-16,0 0 0,0 0 15,0 0 1,0 0-16,40-40 0,-40 40 16,40-40-16,0 0 0,-40 40 15,40-40-15,0 0 0,0 0 16,-40-40 15,-40 40-15,0 0-1,0 40-15,0 41 16,0-41-16,40 0 0,0 0 0,-40 0 16,40 0-16,0 0 0,0 40 0,-40-39 15,40-1-15,0 0 0,0 0 0,0 0 16,0 0-16,-41 0 0,41 0 16,-40 0-16,40 1 0,-40-1 0,0-40 15,0 40-15,40 0 0,-40-40 0,-40 40 16,39-40-16,1 0 0,0 0 0</inkml:trace>
   <inkml:trace contextRef="#ctx0" brushRef="#br0" timeOffset="20954.24">4936 4051 0,'-41'0'125,"41"40"-125,-40-40 0,0 40 16,0 0-16,0 0 0,0 0 15,40 0-15,-40 0 0,0 0 0,40 41 16,-41-41-16,41 0 0,0 40 0,0-40 16,0 40-16,0-40 0,0 1 0,81-1 15,-41 0-15,0-40 0,40 0 0,41 0 16</inkml:trace>
   <inkml:trace contextRef="#ctx0" brushRef="#br0" timeOffset="21720.1">6701 3970 0,'0'40'15,"-40"-40"-15,120 41 31,-40-41-31,0 40 16,1-40-16,-41 40 0,40-40 0,0 40 16,0-40-16,0 40 0,0 0 15,-40 0-15,0 0 0,0 0 0,0 0 16,0 1-16,0-1 0,-40 0 16,40 0-16,-80 0 0,40 0 0,0-40 15,-1 40-15,-39 0 0,40-40 0,0 40 16,0-40-16,0 0 0,0 0 0,-1 0 15</inkml:trace>
@@ -1857,11 +1857,11 @@
   <inkml:trace contextRef="#ctx0" brushRef="#br0" timeOffset="140730.04">5939 12914 0,'0'-40'16,"40"40"15,-40-40-31,40 40 0,0 0 0,0-41 16,0 41-16,0 0 0,1 0 15,-1 0-15,0 0 16,0 0-16,-40 41 0,40-41 16,-40 40-16,0 0 0,0 0 0,0 0 15,0 0-15,-40 0 16,40 0-16,-40 0 0,40 1 0,-40-1 15,40 0-15,-40-40 0,-1 40 0,1-40 16,40 40-16,-40-40 0,0 0 16,40-40 15,40 40-15,0 0-16,0-40 0,1 40 15,-1 0-15,0 0 0,0 0 16,0 0-16,0-40 0,0 40 15,0 0-15,1 0 0,-1 0 16</inkml:trace>
   <inkml:trace contextRef="#ctx0" brushRef="#br0" timeOffset="141462.91">7062 12994 0,'40'0'31,"-40"40"-15,0 0-1,40 0-15,-40 0 16,0 1-16,0-1 0,0 0 16,0 0-16,0 0 15</inkml:trace>
   <inkml:trace contextRef="#ctx0" brushRef="#br0" timeOffset="141678.9">7303 12553 0,'40'0'31,"-40"40"-31,0 0 16,40-40-16,-40 80 0,40-40 16,-40 0-16,0 1 0,41-1 0,-41 0 15,0 0-15,40 0 0,-40 0 16,40 0-16</inkml:trace>
-  <inkml:trace contextRef="#ctx0" brushRef="#br0" timeOffset="141928.88">7664 12392 0,'40'0'0,"0"0"15,1 0-15,-1 41 0,0-41 16,-40 40-16,40-40 0,0 40 0,0-40 15,0 40-15,-40 0 0,40 0 0,1 0 16,-41 0-16,0 0 16,0 0-16,0 1 0,0-1 0,0 0 15,-81 0-15,81 0 0,-40 0 0,0 0 16,0 0-16,0-40 0,0 0 16</inkml:trace>
-  <inkml:trace contextRef="#ctx0" brushRef="#br0" timeOffset="142247.88">8667 13074 0,'0'40'31,"0"0"-31,0 1 16,0-1-16,0 0 0,0 0 15,-40 0-15,40 0 16,0 0-16</inkml:trace>
+  <inkml:trace contextRef="#ctx0" brushRef="#br0" timeOffset="141928.87">7664 12392 0,'40'0'0,"0"0"15,1 0-15,-1 41 0,0-41 16,-40 40-16,40-40 0,0 40 0,0-40 15,0 40-15,-40 0 0,40 0 0,1 0 16,-41 0-16,0 0 16,0 0-16,0 1 0,0-1 0,0 0 15,-81 0-15,81 0 0,-40 0 0,0 0 16,0 0-16,0-40 0,0 0 16</inkml:trace>
+  <inkml:trace contextRef="#ctx0" brushRef="#br0" timeOffset="142247.87">8667 13074 0,'0'40'31,"0"0"-31,0 1 16,0-1-16,0 0 0,0 0 15,-40 0-15,40 0 16,0 0-16</inkml:trace>
   <inkml:trace contextRef="#ctx0" brushRef="#br0" timeOffset="142696.9">9349 12473 0,'-40'0'31,"0"0"-15,0 0-1,40 80 1,0-40-16,0 0 16,0 40-16,0-40 0,0 0 0,0 1 15,0 39-15,0-40 0,0 0 0,40 0 16,-40 0-16,40-40 0,-40 40 0,40-40 16,1 0-16,-1 0 0,0 0 15,0-40-15,0 40 0,0-40 0</inkml:trace>
   <inkml:trace contextRef="#ctx0" brushRef="#br0" timeOffset="143095.9">9711 12513 0,'40'-40'0,"40"40"15,-40-40-15,0 40 16,0 0-16,0 0 0,1 0 0,-41 40 16,40-40-16,0 80 0,-40-40 15,40 0-15,-40 0 0,0 0 0,0 0 16,-80 0-16,40 1 0,-1-1 15,1 0-15,0 0 0,0-40 0,0 40 16,0-40-16,0 0 16,40-40-1,0 0 1,80 40-16,-40-40 0,0 40 16,0 0-16,0 0 0,1 0 0,-1 0 15,0 0-15,0 0 0,-40 40 16,40-40-16,0 40 15</inkml:trace>
-  <inkml:trace contextRef="#ctx0" brushRef="#br0" timeOffset="143278.88">10473 12793 0,'0'41'15,"0"-1"1,0 0-16,0 0 0,0 0 16,40 0-16,-40 0 0,40 0 15,-40 0-15</inkml:trace>
+  <inkml:trace contextRef="#ctx0" brushRef="#br0" timeOffset="143278.87">10473 12793 0,'0'41'15,"0"-1"1,0 0-16,0 0 0,0 0 16,40 0-16,-40 0 0,40 0 15,-40 0-15</inkml:trace>
   <inkml:trace contextRef="#ctx0" brushRef="#br0" timeOffset="143796.9">10995 12473 0,'40'0'15,"0"0"1,-40-40-16,40 40 0,0 0 15,0 0-15,0 0 0,1 0 16,-1 40-16,-40 40 16,0-40-16,0 0 15,-40 0-15,-41 0 16,81 0-16,-40-40 0,40 40 0,-40-40 16,0 0-16,80 0 31,40 0-31,-40 0 15,1 0-15,-1 41 16,-40-1-16,0 0 16,0 0-16,0 0 0,-40 0 15,-1 0-15,41 0 0,-80-40 16,0 0-16,80-40 16</inkml:trace>
   <inkml:trace contextRef="#ctx0" brushRef="#br0" timeOffset="144013.51">11436 12272 0,'0'-40'0,"40"40"16,0 0-16,0 0 16,-40 40-16,41-40 0,-1 80 15,0-80-15,-40 40 0,40 1 0,0-1 16,-40 0-16,40 0 0,-40 0 0,0 0 15,0 40-15,0-40 0,0 0 0,-40 41 16,40-41-16,-80 0 0,40 0 0,0 0 16,-1 0-16,1 0 0,0-40 0,0 0 15,0 0-15,0 0 0</inkml:trace>
   <inkml:trace contextRef="#ctx0" brushRef="#br0" timeOffset="144447.5">12319 12954 0,'40'0'31,"-40"40"-31,0 0 0,-40 0 16,40 0-16,-40 0 0,-41 1 16,81-1-16,-40-40 0,0 40 15,0-40-15</inkml:trace>
@@ -1984,7 +1984,7 @@
   <inkml:trace contextRef="#ctx0" brushRef="#br2" timeOffset="-17867.11">12118 16042 0,'0'40'47,"0"0"-31,0 0-16,40 0 0,-40 1 16,40-1-16,-40 0 0,41 40 0,-1-40 15,0 0-15,-40 0 0,40 0 0,-40 0 16,40 1-16,0-1 0,-40 0 15,40-40-15,-40 40 0,40-40 0,1 0 16</inkml:trace>
   <inkml:trace contextRef="#ctx0" brushRef="#br2" timeOffset="-17683.11">11877 16563 0,'41'-40'31,"-1"40"-31,0 0 16,0-40-16,0 0 0,0 40 0,40 0 16,-39-40-16,-1 40 0,0 0 15,0-40-15,0 40 0,0 0 0</inkml:trace>
   <inkml:trace contextRef="#ctx0" brushRef="#br2" timeOffset="-16663.72">14205 15922 0,'0'40'16,"0"0"-16,0 0 15,0 0-15,-40 0 0,40 0 16,0 0-16,0 1 0,0-1 0,0 0 16,0 40-16,0-40 0,0 0 15,0 0-15,0 0 0,0 0 16,40-40-16</inkml:trace>
-  <inkml:trace contextRef="#ctx0" brushRef="#br2" timeOffset="-16227.74">14205 16162 0,'0'-40'0,"0"0"16,0 0 0,40 40-16,-40-40 0,40 40 0,0-40 15,0 40-15,0-40 0,0 40 16,1-40-16,-1 40 0,0 0 16,0 0-16,0 0 0,-40 40 15,0 0-15,0 0 16,0 0-16,-40 0 0,40 0 15,-40-40-15,0 40 0,0 0 0,-1 1 16,1-41-16,0 0 0,0 40 16,0-40-16,0 0 15,40 40 1,40-40 0,-40 40-16,80-40 0,-40 0 15,0 40-15,1-40 16,-1 40-16,0 0 15,-40 0-15,0 0 16,-80-40-16,39 40 0,1-40 16,0 41-16,0-1 0,-40-40 0,40 40 15,0-40-15,-1 40 0,1-40 0,0 0 16</inkml:trace>
+  <inkml:trace contextRef="#ctx0" brushRef="#br2" timeOffset="-16227.75">14205 16162 0,'0'-40'0,"0"0"16,0 0 0,40 40-16,-40-40 0,40 40 0,0-40 15,0 40-15,0-40 0,0 40 16,1-40-16,-1 40 0,0 0 16,0 0-16,0 0 0,-40 40 15,0 0-15,0 0 16,0 0-16,-40 0 0,40 0 15,-40-40-15,0 40 0,0 0 0,-1 1 16,1-41-16,0 0 0,0 40 16,0-40-16,0 0 15,40 40 1,40-40 0,-40 40-16,80-40 0,-40 0 15,0 40-15,1-40 16,-1 40-16,0 0 15,-40 0-15,0 0 16,-80-40-16,39 40 0,1-40 16,0 41-16,0-1 0,-40-40 0,40 40 15,0-40-15,-1 40 0,1-40 0,0 0 16</inkml:trace>
   <inkml:trace contextRef="#ctx0" brushRef="#br2" timeOffset="-7961.22">13402 16162 0,'0'40'141,"-40"1"-126,0-41-15,40 40 16,-40-40-16,40 40 0,-40-40 16,40 40-16,-40-40 15,40 40-15,-41-40 0,41 40 0,-40-40 16,40 40-16,-40-40 0,40 40 0,-40 0 16,40 0-16,-40-40 15,40 41-15,0-1 16,0-80 78</inkml:trace>
   <inkml:trace contextRef="#ctx0" brushRef="#br2" timeOffset="-7594.2">13041 16162 0,'0'40'47,"40"1"-31,0-1-16,-40 0 16,40-40-16,-40 40 0,41 0 15,-1-40-15,-40 40 0,40 0 0,0 0 16,-40 0-16,40-40 0,-40 40 15,40-40-15,-40 41 0,0-82 47,-40 41-47,40-40 16</inkml:trace>
   <inkml:trace contextRef="#ctx0" brushRef="#br2" timeOffset="-5420.76">803 12753 0,'-41'0'16,"82"0"46,-1 0-46,0 0-16,0 0 0,0 0 16,0-40-16,0 40 0,0 0 15,1-40-15,-1 40 0,0 0 0,0 0 16,0-40-16,40 40 0,-40 0 0,1 0 16,39 0-16,-40 0 0,40 0 0,-40-40 15,41 40-15,-1 0 0,-40 0 0,40-40 16,0 40-16,-39 0 0,39-40 0,0 40 15,-40-40-15,40 40 0,1 0 0,-41-40 16,0 40-16,40 0 0,-40 0 0,0 0 16,1 0-16,-1-41 0,0 41 0,0 0 15,0 0-15,0 0 0,0-40 16,0 40-16,1 0 16,-1 0-16,0 0 15,0 0 48,0 40-48,0-40 438,0 0-406,-80 0 266</inkml:trace>
@@ -2085,7 +2085,7 @@
   <inkml:trace contextRef="#ctx0" brushRef="#br0" timeOffset="64643.83">3892 16644 0,'40'0'0,"1"0"15,-1 0 1,0 0 0,0-41-16,0 41 0,0-40 15,0 40-15,0 0 0,1 0 0,-41-40 16,40 40-16,0 0 15,-40 40-15,0 0 16,0 1-16,0-1 16,-40 0-16,40 0 0,0 0 0,-40-40 15,40 40-15,-41 0 0</inkml:trace>
   <inkml:trace contextRef="#ctx0" brushRef="#br0" timeOffset="64767.46">4294 16443 0,'0'40'15,"0"0"1</inkml:trace>
   <inkml:trace contextRef="#ctx0" brushRef="#br0" timeOffset="64983.43">4534 16523 0,'0'40'16,"-40"41"-16,0-41 15,40 0-15,-40 0 16,40 0-16,0 0 0,0 0 0,80-40 16,-80 40-16,40-40 0,0 0 15,1 0-15,-41-40 16,40 40-16,0-40 0,0 0 15,-40 0-15,0 0 0,40 0 16</inkml:trace>
-  <inkml:trace contextRef="#ctx0" brushRef="#br0" timeOffset="65888.9">4815 16563 0,'0'40'47,"0"1"-47,0-1 16,0 0 15,40-80 78,0 40-93,-40-40 359,0-1-359,0 1 77,41 40-93,-1 0 16,-40-40-16,40 40 16,-40-40-16,0 0 15,0 0 1,0 0 0,-40 40-1,0 0-15,-1 0 16,41 40-16,-40-40 15,40 80-15,0-40 0,-40 0 16,40 0-16,0 1 0,0-1 16,0 0-16,40-40 0,0 40 15,1-40-15,-1-40 16</inkml:trace>
+  <inkml:trace contextRef="#ctx0" brushRef="#br0" timeOffset="65888.89">4815 16563 0,'0'40'47,"0"1"-47,0-1 16,0 0 15,40-80 78,0 40-93,-40-40 359,0-1-359,0 1 77,41 40-93,-1 0 16,-40-40-16,40 40 16,-40-40-16,0 0 15,0 0 1,0 0 0,-40 40-1,0 0-15,-1 0 16,41 40-16,-40-40 15,40 80-15,0-40 0,-40 0 16,40 0-16,0 1 0,0-1 16,0 0-16,40-40 0,0 40 15,1-40-15,-1-40 16</inkml:trace>
   <inkml:trace contextRef="#ctx0" brushRef="#br0" timeOffset="66119.42">5297 16363 0,'-40'0'0,"40"40"0,-41-40 15,41 40-15,-40-40 0,40 40 0,0 0 16,0 0-16,0 0 0,40 1 16,-40-1-16,41 0 0,39 0 15,-40 0-15,0 0 16,-80 0-1,-40-40 1,40 0-16,-41 0 0,41 0 0,-40 0 16,40 0-16</inkml:trace>
   <inkml:trace contextRef="#ctx0" brushRef="#br0" timeOffset="66731.45">6701 12994 0,'0'-40'0,"0"0"15,0 0 1,0 0-16,0-1 31,40 41-15,-40 81 0,40-41-16,-40 0 0,0 40 15,0-40-15,40 40 0,-40-39 0,0 39 16,0 0-16,0 0 0,0-40 0,0 40 15,0-39-15,0 39 0,0-40 0,0 0 16,0 0-16</inkml:trace>
   <inkml:trace contextRef="#ctx0" brushRef="#br0" timeOffset="67345.97">6741 14398 0,'-40'0'31,"0"0"-31,0 0 31,0 0-31,0 40 16,40 0 0,0 0-16,0 0 0,0 0 15,0 0-15,40 0 0,-40 1 16,40-41-16,-40 40 16,-80-40-1,80 40-15,-41-40 16,1 0-16,0 0 0,0 0 0,0 0 15,0 0-15,40-40 16</inkml:trace>
@@ -2845,51 +2845,6 @@
           <a:bodyPr/>
           <a:lstStyle/>
           <a:p>
-            <a:r>
-              <a:rPr lang="en-PH" dirty="0"/>
-              <a:t>Undirected graph</a:t>
-            </a:r>
-          </a:p>
-          <a:p>
-            <a:r>
-              <a:rPr lang="en-PH" dirty="0"/>
-              <a:t>-formal definition</a:t>
-            </a:r>
-          </a:p>
-          <a:p>
-            <a:r>
-              <a:rPr lang="en-PH" dirty="0"/>
-              <a:t>-G =(V, E) vertex/nodes, edges/lines</a:t>
-            </a:r>
-          </a:p>
-          <a:p>
-            <a:r>
-              <a:rPr lang="en-PH" dirty="0"/>
-              <a:t>-Degree</a:t>
-            </a:r>
-          </a:p>
-          <a:p>
-            <a:endParaRPr lang="en-PH" dirty="0"/>
-          </a:p>
-          <a:p>
-            <a:r>
-              <a:rPr lang="en-PH" dirty="0"/>
-              <a:t>Directed graph</a:t>
-            </a:r>
-          </a:p>
-          <a:p>
-            <a:r>
-              <a:rPr lang="en-PH" dirty="0"/>
-              <a:t>-indegree</a:t>
-            </a:r>
-          </a:p>
-          <a:p>
-            <a:r>
-              <a:rPr lang="en-PH" dirty="0"/>
-              <a:t>-outdegree</a:t>
-            </a:r>
-          </a:p>
-          <a:p>
             <a:endParaRPr lang="en-PH" dirty="0"/>
           </a:p>
         </p:txBody>
@@ -2974,51 +2929,6 @@
           <a:bodyPr/>
           <a:lstStyle/>
           <a:p>
-            <a:r>
-              <a:rPr lang="en-PH" dirty="0"/>
-              <a:t>Undirected graph</a:t>
-            </a:r>
-          </a:p>
-          <a:p>
-            <a:r>
-              <a:rPr lang="en-PH" dirty="0"/>
-              <a:t>-formal definition</a:t>
-            </a:r>
-          </a:p>
-          <a:p>
-            <a:r>
-              <a:rPr lang="en-PH" dirty="0"/>
-              <a:t>-G =(V, E) vertex/nodes, edges/lines</a:t>
-            </a:r>
-          </a:p>
-          <a:p>
-            <a:r>
-              <a:rPr lang="en-PH" dirty="0"/>
-              <a:t>-Degree</a:t>
-            </a:r>
-          </a:p>
-          <a:p>
-            <a:endParaRPr lang="en-PH" dirty="0"/>
-          </a:p>
-          <a:p>
-            <a:r>
-              <a:rPr lang="en-PH" dirty="0"/>
-              <a:t>Directed graph</a:t>
-            </a:r>
-          </a:p>
-          <a:p>
-            <a:r>
-              <a:rPr lang="en-PH" dirty="0"/>
-              <a:t>-indegree</a:t>
-            </a:r>
-          </a:p>
-          <a:p>
-            <a:r>
-              <a:rPr lang="en-PH" dirty="0"/>
-              <a:t>-outdegree</a:t>
-            </a:r>
-          </a:p>
-          <a:p>
             <a:endParaRPr lang="en-PH" dirty="0"/>
           </a:p>
         </p:txBody>
@@ -3103,25 +3013,7 @@
           <a:bodyPr/>
           <a:lstStyle/>
           <a:p>
-            <a:r>
-              <a:rPr lang="en-PH" dirty="0"/>
-              <a:t>Relation is a set of pairs satisfying relationship</a:t>
-            </a:r>
-          </a:p>
-          <a:p>
             <a:endParaRPr lang="en-PH" dirty="0"/>
-          </a:p>
-          <a:p>
-            <a:r>
-              <a:rPr lang="en-PH" dirty="0"/>
-              <a:t>-define two sets</a:t>
-            </a:r>
-          </a:p>
-          <a:p>
-            <a:r>
-              <a:rPr lang="en-PH" dirty="0"/>
-              <a:t>-</a:t>
-            </a:r>
           </a:p>
         </p:txBody>
       </p:sp>
@@ -3205,28 +3097,7 @@
           <a:bodyPr/>
           <a:lstStyle/>
           <a:p>
-            <a:r>
-              <a:rPr lang="en-PH" dirty="0"/>
-              <a:t>-Examples of sets</a:t>
-            </a:r>
-          </a:p>
-          <a:p>
-            <a:r>
-              <a:rPr lang="en-PH" dirty="0"/>
-              <a:t>-element of </a:t>
-            </a:r>
-          </a:p>
-          <a:p>
-            <a:r>
-              <a:rPr lang="en-PH" dirty="0"/>
-              <a:t>-subset of</a:t>
-            </a:r>
-          </a:p>
-          <a:p>
-            <a:r>
-              <a:rPr lang="en-PH" dirty="0"/>
-              <a:t>-equality</a:t>
-            </a:r>
+            <a:endParaRPr lang="en-PH" dirty="0"/>
           </a:p>
         </p:txBody>
       </p:sp>
@@ -3310,28 +3181,7 @@
           <a:bodyPr/>
           <a:lstStyle/>
           <a:p>
-            <a:r>
-              <a:rPr lang="en-PH" dirty="0"/>
-              <a:t>-Examples of sets</a:t>
-            </a:r>
-          </a:p>
-          <a:p>
-            <a:r>
-              <a:rPr lang="en-PH" dirty="0"/>
-              <a:t>-element of </a:t>
-            </a:r>
-          </a:p>
-          <a:p>
-            <a:r>
-              <a:rPr lang="en-PH" dirty="0"/>
-              <a:t>-subset of</a:t>
-            </a:r>
-          </a:p>
-          <a:p>
-            <a:r>
-              <a:rPr lang="en-PH" dirty="0"/>
-              <a:t>-equality</a:t>
-            </a:r>
+            <a:endParaRPr lang="en-PH" dirty="0"/>
           </a:p>
         </p:txBody>
       </p:sp>
@@ -3415,87 +3265,7 @@
           <a:bodyPr/>
           <a:lstStyle/>
           <a:p>
-            <a:r>
-              <a:rPr lang="en-PH" dirty="0"/>
-              <a:t>-Examples of sets</a:t>
-            </a:r>
-          </a:p>
-          <a:p>
-            <a:r>
-              <a:rPr lang="en-PH" dirty="0"/>
-              <a:t>-part of sets</a:t>
-            </a:r>
-          </a:p>
-          <a:p>
-            <a:r>
-              <a:rPr lang="en-PH" dirty="0"/>
-              <a:t>Words</a:t>
-            </a:r>
-          </a:p>
-          <a:p>
-            <a:r>
-              <a:rPr lang="en-PH" dirty="0"/>
-              <a:t>Numerical</a:t>
-            </a:r>
-          </a:p>
-          <a:p>
             <a:endParaRPr lang="en-PH" dirty="0"/>
-          </a:p>
-          <a:p>
-            <a:r>
-              <a:rPr lang="en-PH" dirty="0"/>
-              <a:t>Infinite set</a:t>
-            </a:r>
-          </a:p>
-          <a:p>
-            <a:r>
-              <a:rPr lang="en-PH" dirty="0"/>
-              <a:t>Finite set</a:t>
-            </a:r>
-          </a:p>
-          <a:p>
-            <a:endParaRPr lang="en-PH" dirty="0"/>
-          </a:p>
-          <a:p>
-            <a:r>
-              <a:rPr lang="en-PH" dirty="0"/>
-              <a:t>-element of </a:t>
-            </a:r>
-          </a:p>
-          <a:p>
-            <a:pPr marL="0" marR="0" lvl="0" indent="0" algn="l" defTabSz="914400" rtl="0" eaLnBrk="1" fontAlgn="auto" latinLnBrk="0" hangingPunct="1">
-              <a:lnSpc>
-                <a:spcPct val="100000"/>
-              </a:lnSpc>
-              <a:spcBef>
-                <a:spcPts val="0"/>
-              </a:spcBef>
-              <a:spcAft>
-                <a:spcPts val="0"/>
-              </a:spcAft>
-              <a:buClrTx/>
-              <a:buSzTx/>
-              <a:buFontTx/>
-              <a:buNone/>
-              <a:tabLst/>
-              <a:defRPr/>
-            </a:pPr>
-            <a:r>
-              <a:rPr lang="en-PH" b="1" dirty="0">
-                <a:effectLst/>
-                <a:latin typeface="champ"/>
-              </a:rPr>
-              <a:t>More Notation</a:t>
-            </a:r>
-          </a:p>
-          <a:p>
-            <a:endParaRPr lang="en-PH" dirty="0"/>
-          </a:p>
-          <a:p>
-            <a:r>
-              <a:rPr lang="en-PH" dirty="0"/>
-              <a:t>-subset of</a:t>
-            </a:r>
           </a:p>
         </p:txBody>
       </p:sp>
@@ -3579,30 +3349,6 @@
           <a:bodyPr/>
           <a:lstStyle/>
           <a:p>
-            <a:r>
-              <a:rPr lang="en-PH" dirty="0"/>
-              <a:t>-draw horizontal and vertical axis as x and y</a:t>
-            </a:r>
-          </a:p>
-          <a:p>
-            <a:r>
-              <a:rPr lang="en-PH" dirty="0"/>
-              <a:t>-define pair()</a:t>
-            </a:r>
-          </a:p>
-          <a:p>
-            <a:r>
-              <a:rPr lang="en-PH" dirty="0"/>
-              <a:t>-define (2, 1) point</a:t>
-            </a:r>
-          </a:p>
-          <a:p>
-            <a:r>
-              <a:rPr lang="en-PH" dirty="0"/>
-              <a:t>AKA: Cartesian coordinate system</a:t>
-            </a:r>
-          </a:p>
-          <a:p>
             <a:endParaRPr lang="en-PH" dirty="0"/>
           </a:p>
         </p:txBody>
@@ -3687,85 +3433,6 @@
           <a:bodyPr/>
           <a:lstStyle/>
           <a:p>
-            <a:r>
-              <a:rPr lang="en-PH" dirty="0"/>
-              <a:t>Word example:</a:t>
-            </a:r>
-          </a:p>
-          <a:p>
-            <a:r>
-              <a:rPr lang="en-PH" dirty="0"/>
-              <a:t>Set students = { pick </a:t>
-            </a:r>
-            <a:r>
-              <a:rPr lang="en-PH" dirty="0" err="1"/>
-              <a:t>sa</a:t>
-            </a:r>
-            <a:r>
-              <a:rPr lang="en-PH" dirty="0"/>
-              <a:t> google meet }</a:t>
-            </a:r>
-          </a:p>
-          <a:p>
-            <a:r>
-              <a:rPr lang="en-PH" dirty="0"/>
-              <a:t>Set subjects = { automata, intel sys , </a:t>
-            </a:r>
-            <a:r>
-              <a:rPr lang="en-PH" dirty="0" err="1"/>
-              <a:t>hci</a:t>
-            </a:r>
-            <a:r>
-              <a:rPr lang="en-PH" dirty="0"/>
-              <a:t> } </a:t>
-            </a:r>
-          </a:p>
-          <a:p>
-            <a:endParaRPr lang="en-PH" dirty="0"/>
-          </a:p>
-          <a:p>
-            <a:r>
-              <a:rPr lang="en-PH" dirty="0"/>
-              <a:t>Number example:</a:t>
-            </a:r>
-          </a:p>
-          <a:p>
-            <a:r>
-              <a:rPr lang="en-PH" dirty="0"/>
-              <a:t>Set A = {2, 4, 6 }</a:t>
-            </a:r>
-          </a:p>
-          <a:p>
-            <a:r>
-              <a:rPr lang="en-PH" dirty="0"/>
-              <a:t>Set B = {10, 20, 30}</a:t>
-            </a:r>
-          </a:p>
-          <a:p>
-            <a:endParaRPr lang="en-PH" dirty="0"/>
-          </a:p>
-          <a:p>
-            <a:r>
-              <a:rPr lang="en-PH" dirty="0"/>
-              <a:t>Draw diagram left and right</a:t>
-            </a:r>
-          </a:p>
-          <a:p>
-            <a:r>
-              <a:rPr lang="en-PH" dirty="0"/>
-              <a:t>Discuss the ordered pair, order matters</a:t>
-            </a:r>
-          </a:p>
-          <a:p>
-            <a:endParaRPr lang="en-PH" dirty="0"/>
-          </a:p>
-          <a:p>
-            <a:r>
-              <a:rPr lang="en-PH" dirty="0"/>
-              <a:t>ASK STUDENT</a:t>
-            </a:r>
-          </a:p>
-          <a:p>
             <a:endParaRPr lang="en-PH" dirty="0"/>
           </a:p>
         </p:txBody>
@@ -3850,85 +3517,6 @@
           <a:bodyPr/>
           <a:lstStyle/>
           <a:p>
-            <a:r>
-              <a:rPr lang="en-PH" dirty="0"/>
-              <a:t>Word example:</a:t>
-            </a:r>
-          </a:p>
-          <a:p>
-            <a:r>
-              <a:rPr lang="en-PH" dirty="0"/>
-              <a:t>Set students = { pick </a:t>
-            </a:r>
-            <a:r>
-              <a:rPr lang="en-PH" dirty="0" err="1"/>
-              <a:t>sa</a:t>
-            </a:r>
-            <a:r>
-              <a:rPr lang="en-PH" dirty="0"/>
-              <a:t> google meet }</a:t>
-            </a:r>
-          </a:p>
-          <a:p>
-            <a:r>
-              <a:rPr lang="en-PH" dirty="0"/>
-              <a:t>Set subjects = { automata, intel sys , </a:t>
-            </a:r>
-            <a:r>
-              <a:rPr lang="en-PH" dirty="0" err="1"/>
-              <a:t>hci</a:t>
-            </a:r>
-            <a:r>
-              <a:rPr lang="en-PH" dirty="0"/>
-              <a:t> } </a:t>
-            </a:r>
-          </a:p>
-          <a:p>
-            <a:endParaRPr lang="en-PH" dirty="0"/>
-          </a:p>
-          <a:p>
-            <a:r>
-              <a:rPr lang="en-PH" dirty="0"/>
-              <a:t>Number example:</a:t>
-            </a:r>
-          </a:p>
-          <a:p>
-            <a:r>
-              <a:rPr lang="en-PH" dirty="0"/>
-              <a:t>Set A = {2, 4, 6 }</a:t>
-            </a:r>
-          </a:p>
-          <a:p>
-            <a:r>
-              <a:rPr lang="en-PH" dirty="0"/>
-              <a:t>Set B = {10, 20, 30}</a:t>
-            </a:r>
-          </a:p>
-          <a:p>
-            <a:endParaRPr lang="en-PH" dirty="0"/>
-          </a:p>
-          <a:p>
-            <a:r>
-              <a:rPr lang="en-PH" dirty="0"/>
-              <a:t>Draw diagram left and right</a:t>
-            </a:r>
-          </a:p>
-          <a:p>
-            <a:r>
-              <a:rPr lang="en-PH" dirty="0"/>
-              <a:t>Discuss the ordered pair, order matters</a:t>
-            </a:r>
-          </a:p>
-          <a:p>
-            <a:endParaRPr lang="en-PH" dirty="0"/>
-          </a:p>
-          <a:p>
-            <a:r>
-              <a:rPr lang="en-PH" dirty="0"/>
-              <a:t>ASK STUDENT</a:t>
-            </a:r>
-          </a:p>
-          <a:p>
             <a:endParaRPr lang="en-PH" dirty="0"/>
           </a:p>
         </p:txBody>
@@ -4013,69 +3601,7 @@
           <a:bodyPr/>
           <a:lstStyle/>
           <a:p>
-            <a:r>
-              <a:rPr lang="en-PH" dirty="0"/>
-              <a:t>Relation is a set of (ordered) pairs satisfying relationship</a:t>
-            </a:r>
-          </a:p>
-          <a:p>
             <a:endParaRPr lang="en-PH" dirty="0"/>
-          </a:p>
-          <a:p>
-            <a:r>
-              <a:rPr lang="en-PH" dirty="0"/>
-              <a:t>-define two sets</a:t>
-            </a:r>
-          </a:p>
-          <a:p>
-            <a:endParaRPr lang="en-PH" dirty="0"/>
-          </a:p>
-          <a:p>
-            <a:r>
-              <a:rPr lang="en-PH" dirty="0"/>
-              <a:t>Relationship: </a:t>
-            </a:r>
-          </a:p>
-          <a:p>
-            <a:r>
-              <a:rPr lang="en-PH" dirty="0"/>
-              <a:t>x is related to y</a:t>
-            </a:r>
-          </a:p>
-          <a:p>
-            <a:r>
-              <a:rPr lang="en-PH" dirty="0"/>
-              <a:t>X is greater than y</a:t>
-            </a:r>
-          </a:p>
-          <a:p>
-            <a:r>
-              <a:rPr lang="en-PH" dirty="0"/>
-              <a:t>X is less than y</a:t>
-            </a:r>
-          </a:p>
-          <a:p>
-            <a:r>
-              <a:rPr lang="en-PH" dirty="0"/>
-              <a:t>X is multiple of y</a:t>
-            </a:r>
-          </a:p>
-          <a:p>
-            <a:endParaRPr lang="en-PH" dirty="0"/>
-          </a:p>
-          <a:p>
-            <a:r>
-              <a:rPr lang="en-PH" dirty="0"/>
-              <a:t>Draw big circle </a:t>
-            </a:r>
-            <a:r>
-              <a:rPr lang="en-PH" dirty="0" err="1"/>
-              <a:t>AxB</a:t>
-            </a:r>
-            <a:r>
-              <a:rPr lang="en-PH" dirty="0"/>
-              <a:t> inside is RELATION</a:t>
-            </a:r>
           </a:p>
         </p:txBody>
       </p:sp>
@@ -4158,51 +3684,6 @@
         <p:txBody>
           <a:bodyPr/>
           <a:lstStyle/>
-          <a:p>
-            <a:r>
-              <a:rPr lang="en-PH" dirty="0"/>
-              <a:t>Undirected graph</a:t>
-            </a:r>
-          </a:p>
-          <a:p>
-            <a:r>
-              <a:rPr lang="en-PH" dirty="0"/>
-              <a:t>-formal definition</a:t>
-            </a:r>
-          </a:p>
-          <a:p>
-            <a:r>
-              <a:rPr lang="en-PH" dirty="0"/>
-              <a:t>-G =(V, E) vertex/nodes, edges/lines</a:t>
-            </a:r>
-          </a:p>
-          <a:p>
-            <a:r>
-              <a:rPr lang="en-PH" dirty="0"/>
-              <a:t>-Degree</a:t>
-            </a:r>
-          </a:p>
-          <a:p>
-            <a:endParaRPr lang="en-PH" dirty="0"/>
-          </a:p>
-          <a:p>
-            <a:r>
-              <a:rPr lang="en-PH" dirty="0"/>
-              <a:t>Directed graph</a:t>
-            </a:r>
-          </a:p>
-          <a:p>
-            <a:r>
-              <a:rPr lang="en-PH" dirty="0"/>
-              <a:t>-indegree</a:t>
-            </a:r>
-          </a:p>
-          <a:p>
-            <a:r>
-              <a:rPr lang="en-PH" dirty="0"/>
-              <a:t>-outdegree</a:t>
-            </a:r>
-          </a:p>
           <a:p>
             <a:endParaRPr lang="en-PH" dirty="0"/>
           </a:p>
